--- a/00-Introducing-HOOMD-blue/Tutorial concept map.pptx
+++ b/00-Introducing-HOOMD-blue/Tutorial concept map.pptx
@@ -123,6 +123,494 @@
 <file path=ppt/changesInfos/changesInfo1.xml><?xml version="1.0" encoding="utf-8"?>
 <pc:chgInfo xmlns:a="http://schemas.openxmlformats.org/drawingml/2006/main" xmlns:r="http://schemas.openxmlformats.org/officeDocument/2006/relationships" xmlns:ac="http://schemas.microsoft.com/office/drawing/2013/main/command" xmlns:pc="http://schemas.microsoft.com/office/powerpoint/2013/main/command">
   <pc:docChgLst>
+    <pc:chgData name="Anderson, Joshua" userId="39e39843-612f-4ac9-a60b-c8880e88db2a" providerId="ADAL" clId="{461508CF-AA82-470A-A026-06CBC89FCFC6}"/>
+    <pc:docChg chg="undo custSel modSld">
+      <pc:chgData name="Anderson, Joshua" userId="39e39843-612f-4ac9-a60b-c8880e88db2a" providerId="ADAL" clId="{461508CF-AA82-470A-A026-06CBC89FCFC6}" dt="2020-03-27T18:00:58.188" v="415" actId="1076"/>
+      <pc:docMkLst>
+        <pc:docMk/>
+      </pc:docMkLst>
+      <pc:sldChg chg="addSp delSp modSp">
+        <pc:chgData name="Anderson, Joshua" userId="39e39843-612f-4ac9-a60b-c8880e88db2a" providerId="ADAL" clId="{461508CF-AA82-470A-A026-06CBC89FCFC6}" dt="2020-03-27T18:00:58.188" v="415" actId="1076"/>
+        <pc:sldMkLst>
+          <pc:docMk/>
+          <pc:sldMk cId="968820928" sldId="256"/>
+        </pc:sldMkLst>
+        <pc:spChg chg="mod">
+          <ac:chgData name="Anderson, Joshua" userId="39e39843-612f-4ac9-a60b-c8880e88db2a" providerId="ADAL" clId="{461508CF-AA82-470A-A026-06CBC89FCFC6}" dt="2020-03-27T17:50:25.733" v="331" actId="113"/>
+          <ac:spMkLst>
+            <pc:docMk/>
+            <pc:sldMk cId="968820928" sldId="256"/>
+            <ac:spMk id="4" creationId="{0348BCB2-7F5D-4EAB-90A6-BC3F7B18AEF7}"/>
+          </ac:spMkLst>
+        </pc:spChg>
+        <pc:spChg chg="mod">
+          <ac:chgData name="Anderson, Joshua" userId="39e39843-612f-4ac9-a60b-c8880e88db2a" providerId="ADAL" clId="{461508CF-AA82-470A-A026-06CBC89FCFC6}" dt="2020-03-27T17:50:25.733" v="331" actId="113"/>
+          <ac:spMkLst>
+            <pc:docMk/>
+            <pc:sldMk cId="968820928" sldId="256"/>
+            <ac:spMk id="27" creationId="{22E7C258-6200-4AA8-89A6-851C21880D9B}"/>
+          </ac:spMkLst>
+        </pc:spChg>
+        <pc:spChg chg="mod">
+          <ac:chgData name="Anderson, Joshua" userId="39e39843-612f-4ac9-a60b-c8880e88db2a" providerId="ADAL" clId="{461508CF-AA82-470A-A026-06CBC89FCFC6}" dt="2020-03-27T17:50:07.581" v="330" actId="207"/>
+          <ac:spMkLst>
+            <pc:docMk/>
+            <pc:sldMk cId="968820928" sldId="256"/>
+            <ac:spMk id="28" creationId="{11FCAF09-8DA6-4811-94A3-485B0297A28D}"/>
+          </ac:spMkLst>
+        </pc:spChg>
+        <pc:spChg chg="mod">
+          <ac:chgData name="Anderson, Joshua" userId="39e39843-612f-4ac9-a60b-c8880e88db2a" providerId="ADAL" clId="{461508CF-AA82-470A-A026-06CBC89FCFC6}" dt="2020-03-27T17:50:07.581" v="330" actId="207"/>
+          <ac:spMkLst>
+            <pc:docMk/>
+            <pc:sldMk cId="968820928" sldId="256"/>
+            <ac:spMk id="29" creationId="{C4B8965E-7E9E-4CA8-BB0A-504FD25F04DB}"/>
+          </ac:spMkLst>
+        </pc:spChg>
+        <pc:spChg chg="add del mod">
+          <ac:chgData name="Anderson, Joshua" userId="39e39843-612f-4ac9-a60b-c8880e88db2a" providerId="ADAL" clId="{461508CF-AA82-470A-A026-06CBC89FCFC6}" dt="2020-03-27T17:21:14.409" v="20" actId="478"/>
+          <ac:spMkLst>
+            <pc:docMk/>
+            <pc:sldMk cId="968820928" sldId="256"/>
+            <ac:spMk id="49" creationId="{57C8AFD9-49E6-4262-BF16-F71EAF6C54BB}"/>
+          </ac:spMkLst>
+        </pc:spChg>
+        <pc:spChg chg="add mod">
+          <ac:chgData name="Anderson, Joshua" userId="39e39843-612f-4ac9-a60b-c8880e88db2a" providerId="ADAL" clId="{461508CF-AA82-470A-A026-06CBC89FCFC6}" dt="2020-03-27T17:50:25.733" v="331" actId="113"/>
+          <ac:spMkLst>
+            <pc:docMk/>
+            <pc:sldMk cId="968820928" sldId="256"/>
+            <ac:spMk id="62" creationId="{870C6851-44D3-45E8-92DA-68AA0EF73A2C}"/>
+          </ac:spMkLst>
+        </pc:spChg>
+        <pc:spChg chg="add mod">
+          <ac:chgData name="Anderson, Joshua" userId="39e39843-612f-4ac9-a60b-c8880e88db2a" providerId="ADAL" clId="{461508CF-AA82-470A-A026-06CBC89FCFC6}" dt="2020-03-27T17:50:25.733" v="331" actId="113"/>
+          <ac:spMkLst>
+            <pc:docMk/>
+            <pc:sldMk cId="968820928" sldId="256"/>
+            <ac:spMk id="63" creationId="{95B6E688-E8D4-4D58-BDAE-6A8F1B4EB68F}"/>
+          </ac:spMkLst>
+        </pc:spChg>
+        <pc:spChg chg="add mod">
+          <ac:chgData name="Anderson, Joshua" userId="39e39843-612f-4ac9-a60b-c8880e88db2a" providerId="ADAL" clId="{461508CF-AA82-470A-A026-06CBC89FCFC6}" dt="2020-03-27T17:50:25.733" v="331" actId="113"/>
+          <ac:spMkLst>
+            <pc:docMk/>
+            <pc:sldMk cId="968820928" sldId="256"/>
+            <ac:spMk id="64" creationId="{C8E8595F-A20A-4A34-B8B8-4F2A6972E910}"/>
+          </ac:spMkLst>
+        </pc:spChg>
+        <pc:spChg chg="add del mod">
+          <ac:chgData name="Anderson, Joshua" userId="39e39843-612f-4ac9-a60b-c8880e88db2a" providerId="ADAL" clId="{461508CF-AA82-470A-A026-06CBC89FCFC6}" dt="2020-03-27T17:42:33.166" v="261" actId="478"/>
+          <ac:spMkLst>
+            <pc:docMk/>
+            <pc:sldMk cId="968820928" sldId="256"/>
+            <ac:spMk id="65" creationId="{9CD6D362-4765-401F-8207-61FA149D327C}"/>
+          </ac:spMkLst>
+        </pc:spChg>
+        <pc:spChg chg="add mod">
+          <ac:chgData name="Anderson, Joshua" userId="39e39843-612f-4ac9-a60b-c8880e88db2a" providerId="ADAL" clId="{461508CF-AA82-470A-A026-06CBC89FCFC6}" dt="2020-03-27T17:50:25.733" v="331" actId="113"/>
+          <ac:spMkLst>
+            <pc:docMk/>
+            <pc:sldMk cId="968820928" sldId="256"/>
+            <ac:spMk id="66" creationId="{940402E4-F9B9-4D6A-A13A-CED0AAD68236}"/>
+          </ac:spMkLst>
+        </pc:spChg>
+        <pc:spChg chg="add del mod">
+          <ac:chgData name="Anderson, Joshua" userId="39e39843-612f-4ac9-a60b-c8880e88db2a" providerId="ADAL" clId="{461508CF-AA82-470A-A026-06CBC89FCFC6}" dt="2020-03-27T17:26:10.582" v="128" actId="478"/>
+          <ac:spMkLst>
+            <pc:docMk/>
+            <pc:sldMk cId="968820928" sldId="256"/>
+            <ac:spMk id="67" creationId="{B8E733C5-6A95-403E-8E61-BB625848988E}"/>
+          </ac:spMkLst>
+        </pc:spChg>
+        <pc:spChg chg="add mod">
+          <ac:chgData name="Anderson, Joshua" userId="39e39843-612f-4ac9-a60b-c8880e88db2a" providerId="ADAL" clId="{461508CF-AA82-470A-A026-06CBC89FCFC6}" dt="2020-03-27T17:34:35.786" v="237" actId="207"/>
+          <ac:spMkLst>
+            <pc:docMk/>
+            <pc:sldMk cId="968820928" sldId="256"/>
+            <ac:spMk id="68" creationId="{DAB83E4C-29CD-4E34-B298-D8CD0FF768B6}"/>
+          </ac:spMkLst>
+        </pc:spChg>
+        <pc:spChg chg="add mod">
+          <ac:chgData name="Anderson, Joshua" userId="39e39843-612f-4ac9-a60b-c8880e88db2a" providerId="ADAL" clId="{461508CF-AA82-470A-A026-06CBC89FCFC6}" dt="2020-03-27T17:47:44.364" v="293" actId="207"/>
+          <ac:spMkLst>
+            <pc:docMk/>
+            <pc:sldMk cId="968820928" sldId="256"/>
+            <ac:spMk id="69" creationId="{1A5B6E8F-4CE2-4F95-949A-EB009519E1E5}"/>
+          </ac:spMkLst>
+        </pc:spChg>
+        <pc:spChg chg="add mod">
+          <ac:chgData name="Anderson, Joshua" userId="39e39843-612f-4ac9-a60b-c8880e88db2a" providerId="ADAL" clId="{461508CF-AA82-470A-A026-06CBC89FCFC6}" dt="2020-03-27T17:38:17.040" v="259" actId="1076"/>
+          <ac:spMkLst>
+            <pc:docMk/>
+            <pc:sldMk cId="968820928" sldId="256"/>
+            <ac:spMk id="91" creationId="{CF14C831-1DC5-4ED2-A051-C6051A39C4D2}"/>
+          </ac:spMkLst>
+        </pc:spChg>
+        <pc:spChg chg="add mod">
+          <ac:chgData name="Anderson, Joshua" userId="39e39843-612f-4ac9-a60b-c8880e88db2a" providerId="ADAL" clId="{461508CF-AA82-470A-A026-06CBC89FCFC6}" dt="2020-03-27T17:43:03.737" v="283" actId="1076"/>
+          <ac:spMkLst>
+            <pc:docMk/>
+            <pc:sldMk cId="968820928" sldId="256"/>
+            <ac:spMk id="151" creationId="{58BBCCD1-C56F-430C-AF7B-C676B7A28380}"/>
+          </ac:spMkLst>
+        </pc:spChg>
+        <pc:spChg chg="add mod">
+          <ac:chgData name="Anderson, Joshua" userId="39e39843-612f-4ac9-a60b-c8880e88db2a" providerId="ADAL" clId="{461508CF-AA82-470A-A026-06CBC89FCFC6}" dt="2020-03-27T17:47:44.364" v="293" actId="207"/>
+          <ac:spMkLst>
+            <pc:docMk/>
+            <pc:sldMk cId="968820928" sldId="256"/>
+            <ac:spMk id="154" creationId="{AFD243BD-4A1C-4663-B623-8789690426CE}"/>
+          </ac:spMkLst>
+        </pc:spChg>
+        <pc:spChg chg="add mod">
+          <ac:chgData name="Anderson, Joshua" userId="39e39843-612f-4ac9-a60b-c8880e88db2a" providerId="ADAL" clId="{461508CF-AA82-470A-A026-06CBC89FCFC6}" dt="2020-03-27T17:47:44.364" v="293" actId="207"/>
+          <ac:spMkLst>
+            <pc:docMk/>
+            <pc:sldMk cId="968820928" sldId="256"/>
+            <ac:spMk id="155" creationId="{08454A43-C279-4F7C-B7D0-AAF1476C29BC}"/>
+          </ac:spMkLst>
+        </pc:spChg>
+        <pc:spChg chg="add del mod">
+          <ac:chgData name="Anderson, Joshua" userId="39e39843-612f-4ac9-a60b-c8880e88db2a" providerId="ADAL" clId="{461508CF-AA82-470A-A026-06CBC89FCFC6}" dt="2020-03-27T17:47:56.979" v="296" actId="478"/>
+          <ac:spMkLst>
+            <pc:docMk/>
+            <pc:sldMk cId="968820928" sldId="256"/>
+            <ac:spMk id="166" creationId="{4504D302-3979-40A2-A0DE-CAF00085E96A}"/>
+          </ac:spMkLst>
+        </pc:spChg>
+        <pc:spChg chg="add mod">
+          <ac:chgData name="Anderson, Joshua" userId="39e39843-612f-4ac9-a60b-c8880e88db2a" providerId="ADAL" clId="{461508CF-AA82-470A-A026-06CBC89FCFC6}" dt="2020-03-27T17:50:34.471" v="334" actId="14100"/>
+          <ac:spMkLst>
+            <pc:docMk/>
+            <pc:sldMk cId="968820928" sldId="256"/>
+            <ac:spMk id="167" creationId="{04000658-F0DA-493F-9F86-A14ADB069F11}"/>
+          </ac:spMkLst>
+        </pc:spChg>
+        <pc:spChg chg="add mod">
+          <ac:chgData name="Anderson, Joshua" userId="39e39843-612f-4ac9-a60b-c8880e88db2a" providerId="ADAL" clId="{461508CF-AA82-470A-A026-06CBC89FCFC6}" dt="2020-03-27T17:52:17.092" v="379" actId="1076"/>
+          <ac:spMkLst>
+            <pc:docMk/>
+            <pc:sldMk cId="968820928" sldId="256"/>
+            <ac:spMk id="199" creationId="{645EB2B3-E36A-4E0C-AD95-34667E770107}"/>
+          </ac:spMkLst>
+        </pc:spChg>
+        <pc:spChg chg="add mod">
+          <ac:chgData name="Anderson, Joshua" userId="39e39843-612f-4ac9-a60b-c8880e88db2a" providerId="ADAL" clId="{461508CF-AA82-470A-A026-06CBC89FCFC6}" dt="2020-03-27T17:52:20.915" v="380" actId="1076"/>
+          <ac:spMkLst>
+            <pc:docMk/>
+            <pc:sldMk cId="968820928" sldId="256"/>
+            <ac:spMk id="200" creationId="{D44DE589-AEB3-4CB0-8606-C63571E07B84}"/>
+          </ac:spMkLst>
+        </pc:spChg>
+        <pc:spChg chg="add mod">
+          <ac:chgData name="Anderson, Joshua" userId="39e39843-612f-4ac9-a60b-c8880e88db2a" providerId="ADAL" clId="{461508CF-AA82-470A-A026-06CBC89FCFC6}" dt="2020-03-27T17:52:23.456" v="381" actId="1076"/>
+          <ac:spMkLst>
+            <pc:docMk/>
+            <pc:sldMk cId="968820928" sldId="256"/>
+            <ac:spMk id="201" creationId="{D19D8ACF-7A97-432B-A75E-25E340997663}"/>
+          </ac:spMkLst>
+        </pc:spChg>
+        <pc:spChg chg="add mod">
+          <ac:chgData name="Anderson, Joshua" userId="39e39843-612f-4ac9-a60b-c8880e88db2a" providerId="ADAL" clId="{461508CF-AA82-470A-A026-06CBC89FCFC6}" dt="2020-03-27T17:52:09.932" v="378" actId="1076"/>
+          <ac:spMkLst>
+            <pc:docMk/>
+            <pc:sldMk cId="968820928" sldId="256"/>
+            <ac:spMk id="202" creationId="{B56DA12B-6FF9-4D59-A2FE-2BB7420F84A1}"/>
+          </ac:spMkLst>
+        </pc:spChg>
+        <pc:spChg chg="add mod">
+          <ac:chgData name="Anderson, Joshua" userId="39e39843-612f-4ac9-a60b-c8880e88db2a" providerId="ADAL" clId="{461508CF-AA82-470A-A026-06CBC89FCFC6}" dt="2020-03-27T17:58:24.734" v="386" actId="20577"/>
+          <ac:spMkLst>
+            <pc:docMk/>
+            <pc:sldMk cId="968820928" sldId="256"/>
+            <ac:spMk id="203" creationId="{2A883DB2-076C-4CBB-A985-11F7223ABCD7}"/>
+          </ac:spMkLst>
+        </pc:spChg>
+        <pc:spChg chg="add mod">
+          <ac:chgData name="Anderson, Joshua" userId="39e39843-612f-4ac9-a60b-c8880e88db2a" providerId="ADAL" clId="{461508CF-AA82-470A-A026-06CBC89FCFC6}" dt="2020-03-27T18:00:54.207" v="413" actId="1076"/>
+          <ac:spMkLst>
+            <pc:docMk/>
+            <pc:sldMk cId="968820928" sldId="256"/>
+            <ac:spMk id="204" creationId="{1489F326-8E67-4FB2-9165-1E2F7EDD4CAE}"/>
+          </ac:spMkLst>
+        </pc:spChg>
+        <pc:spChg chg="add mod">
+          <ac:chgData name="Anderson, Joshua" userId="39e39843-612f-4ac9-a60b-c8880e88db2a" providerId="ADAL" clId="{461508CF-AA82-470A-A026-06CBC89FCFC6}" dt="2020-03-27T18:00:58.188" v="415" actId="1076"/>
+          <ac:spMkLst>
+            <pc:docMk/>
+            <pc:sldMk cId="968820928" sldId="256"/>
+            <ac:spMk id="205" creationId="{C01C35B9-DD0E-40E4-818D-33F860252041}"/>
+          </ac:spMkLst>
+        </pc:spChg>
+        <pc:cxnChg chg="add del mod">
+          <ac:chgData name="Anderson, Joshua" userId="39e39843-612f-4ac9-a60b-c8880e88db2a" providerId="ADAL" clId="{461508CF-AA82-470A-A026-06CBC89FCFC6}" dt="2020-03-27T17:20:02.753" v="9" actId="478"/>
+          <ac:cxnSpMkLst>
+            <pc:docMk/>
+            <pc:sldMk cId="968820928" sldId="256"/>
+            <ac:cxnSpMk id="31" creationId="{49C95FB2-56F0-4CDF-BFA9-5C5E5AAAF4BB}"/>
+          </ac:cxnSpMkLst>
+        </pc:cxnChg>
+        <pc:cxnChg chg="add del mod">
+          <ac:chgData name="Anderson, Joshua" userId="39e39843-612f-4ac9-a60b-c8880e88db2a" providerId="ADAL" clId="{461508CF-AA82-470A-A026-06CBC89FCFC6}" dt="2020-03-27T17:20:01.782" v="8" actId="478"/>
+          <ac:cxnSpMkLst>
+            <pc:docMk/>
+            <pc:sldMk cId="968820928" sldId="256"/>
+            <ac:cxnSpMk id="33" creationId="{4E0799A6-5DF4-4400-B385-6AB6673211F0}"/>
+          </ac:cxnSpMkLst>
+        </pc:cxnChg>
+        <pc:cxnChg chg="add del mod">
+          <ac:chgData name="Anderson, Joshua" userId="39e39843-612f-4ac9-a60b-c8880e88db2a" providerId="ADAL" clId="{461508CF-AA82-470A-A026-06CBC89FCFC6}" dt="2020-03-27T17:20:01.121" v="7" actId="478"/>
+          <ac:cxnSpMkLst>
+            <pc:docMk/>
+            <pc:sldMk cId="968820928" sldId="256"/>
+            <ac:cxnSpMk id="35" creationId="{27D16860-EB46-4C0E-A05C-3C80CAF92788}"/>
+          </ac:cxnSpMkLst>
+        </pc:cxnChg>
+        <pc:cxnChg chg="add del mod">
+          <ac:chgData name="Anderson, Joshua" userId="39e39843-612f-4ac9-a60b-c8880e88db2a" providerId="ADAL" clId="{461508CF-AA82-470A-A026-06CBC89FCFC6}" dt="2020-03-27T17:21:26.816" v="21" actId="478"/>
+          <ac:cxnSpMkLst>
+            <pc:docMk/>
+            <pc:sldMk cId="968820928" sldId="256"/>
+            <ac:cxnSpMk id="40" creationId="{2B8203A4-3B0E-4809-9D2B-A9E7588B9B3A}"/>
+          </ac:cxnSpMkLst>
+        </pc:cxnChg>
+        <pc:cxnChg chg="add del mod">
+          <ac:chgData name="Anderson, Joshua" userId="39e39843-612f-4ac9-a60b-c8880e88db2a" providerId="ADAL" clId="{461508CF-AA82-470A-A026-06CBC89FCFC6}" dt="2020-03-27T17:21:27.823" v="22" actId="478"/>
+          <ac:cxnSpMkLst>
+            <pc:docMk/>
+            <pc:sldMk cId="968820928" sldId="256"/>
+            <ac:cxnSpMk id="42" creationId="{5DC7C556-3F2E-4C35-9249-26990E74B96F}"/>
+          </ac:cxnSpMkLst>
+        </pc:cxnChg>
+        <pc:cxnChg chg="add del mod">
+          <ac:chgData name="Anderson, Joshua" userId="39e39843-612f-4ac9-a60b-c8880e88db2a" providerId="ADAL" clId="{461508CF-AA82-470A-A026-06CBC89FCFC6}" dt="2020-03-27T17:21:28.338" v="23" actId="478"/>
+          <ac:cxnSpMkLst>
+            <pc:docMk/>
+            <pc:sldMk cId="968820928" sldId="256"/>
+            <ac:cxnSpMk id="44" creationId="{ABFCD62F-8560-4EC5-BA08-5358981C88F4}"/>
+          </ac:cxnSpMkLst>
+        </pc:cxnChg>
+        <pc:cxnChg chg="add del mod">
+          <ac:chgData name="Anderson, Joshua" userId="39e39843-612f-4ac9-a60b-c8880e88db2a" providerId="ADAL" clId="{461508CF-AA82-470A-A026-06CBC89FCFC6}" dt="2020-03-27T17:30:42.982" v="201" actId="478"/>
+          <ac:cxnSpMkLst>
+            <pc:docMk/>
+            <pc:sldMk cId="968820928" sldId="256"/>
+            <ac:cxnSpMk id="51" creationId="{98E2A7CB-688F-49AA-ABB7-018090B446D4}"/>
+          </ac:cxnSpMkLst>
+        </pc:cxnChg>
+        <pc:cxnChg chg="add del mod">
+          <ac:chgData name="Anderson, Joshua" userId="39e39843-612f-4ac9-a60b-c8880e88db2a" providerId="ADAL" clId="{461508CF-AA82-470A-A026-06CBC89FCFC6}" dt="2020-03-27T17:30:43.860" v="202" actId="478"/>
+          <ac:cxnSpMkLst>
+            <pc:docMk/>
+            <pc:sldMk cId="968820928" sldId="256"/>
+            <ac:cxnSpMk id="53" creationId="{D1432A0D-F840-488D-BA62-97D28CDE3B3D}"/>
+          </ac:cxnSpMkLst>
+        </pc:cxnChg>
+        <pc:cxnChg chg="add del mod">
+          <ac:chgData name="Anderson, Joshua" userId="39e39843-612f-4ac9-a60b-c8880e88db2a" providerId="ADAL" clId="{461508CF-AA82-470A-A026-06CBC89FCFC6}" dt="2020-03-27T17:30:44.282" v="203" actId="478"/>
+          <ac:cxnSpMkLst>
+            <pc:docMk/>
+            <pc:sldMk cId="968820928" sldId="256"/>
+            <ac:cxnSpMk id="55" creationId="{CB5AAC3B-80AF-478B-A0B1-5C728148A208}"/>
+          </ac:cxnSpMkLst>
+        </pc:cxnChg>
+        <pc:cxnChg chg="add del mod">
+          <ac:chgData name="Anderson, Joshua" userId="39e39843-612f-4ac9-a60b-c8880e88db2a" providerId="ADAL" clId="{461508CF-AA82-470A-A026-06CBC89FCFC6}" dt="2020-03-27T17:32:11.539" v="212" actId="478"/>
+          <ac:cxnSpMkLst>
+            <pc:docMk/>
+            <pc:sldMk cId="968820928" sldId="256"/>
+            <ac:cxnSpMk id="71" creationId="{85EEE6CE-02DA-4E6F-8CB9-EA256DD560D0}"/>
+          </ac:cxnSpMkLst>
+        </pc:cxnChg>
+        <pc:cxnChg chg="add del mod">
+          <ac:chgData name="Anderson, Joshua" userId="39e39843-612f-4ac9-a60b-c8880e88db2a" providerId="ADAL" clId="{461508CF-AA82-470A-A026-06CBC89FCFC6}" dt="2020-03-27T17:33:10.348" v="224" actId="478"/>
+          <ac:cxnSpMkLst>
+            <pc:docMk/>
+            <pc:sldMk cId="968820928" sldId="256"/>
+            <ac:cxnSpMk id="73" creationId="{64349B83-FB39-4E4E-A535-9E5273E6CEB3}"/>
+          </ac:cxnSpMkLst>
+        </pc:cxnChg>
+        <pc:cxnChg chg="add del mod">
+          <ac:chgData name="Anderson, Joshua" userId="39e39843-612f-4ac9-a60b-c8880e88db2a" providerId="ADAL" clId="{461508CF-AA82-470A-A026-06CBC89FCFC6}" dt="2020-03-27T17:32:19.315" v="214" actId="478"/>
+          <ac:cxnSpMkLst>
+            <pc:docMk/>
+            <pc:sldMk cId="968820928" sldId="256"/>
+            <ac:cxnSpMk id="90" creationId="{D253DE63-CF27-45DB-8E08-A9D8948E0C03}"/>
+          </ac:cxnSpMkLst>
+        </pc:cxnChg>
+        <pc:cxnChg chg="add del mod">
+          <ac:chgData name="Anderson, Joshua" userId="39e39843-612f-4ac9-a60b-c8880e88db2a" providerId="ADAL" clId="{461508CF-AA82-470A-A026-06CBC89FCFC6}" dt="2020-03-27T17:33:12.195" v="225" actId="478"/>
+          <ac:cxnSpMkLst>
+            <pc:docMk/>
+            <pc:sldMk cId="968820928" sldId="256"/>
+            <ac:cxnSpMk id="93" creationId="{A250C0F6-7569-4424-85C8-62EC49325324}"/>
+          </ac:cxnSpMkLst>
+        </pc:cxnChg>
+        <pc:cxnChg chg="add del mod">
+          <ac:chgData name="Anderson, Joshua" userId="39e39843-612f-4ac9-a60b-c8880e88db2a" providerId="ADAL" clId="{461508CF-AA82-470A-A026-06CBC89FCFC6}" dt="2020-03-27T17:33:12.885" v="226" actId="478"/>
+          <ac:cxnSpMkLst>
+            <pc:docMk/>
+            <pc:sldMk cId="968820928" sldId="256"/>
+            <ac:cxnSpMk id="95" creationId="{87C2523A-61BA-4A15-A7D6-C3BCFA8FB13A}"/>
+          </ac:cxnSpMkLst>
+        </pc:cxnChg>
+        <pc:cxnChg chg="add del mod">
+          <ac:chgData name="Anderson, Joshua" userId="39e39843-612f-4ac9-a60b-c8880e88db2a" providerId="ADAL" clId="{461508CF-AA82-470A-A026-06CBC89FCFC6}" dt="2020-03-27T17:31:46.866" v="209" actId="478"/>
+          <ac:cxnSpMkLst>
+            <pc:docMk/>
+            <pc:sldMk cId="968820928" sldId="256"/>
+            <ac:cxnSpMk id="99" creationId="{25A8C559-51C8-4868-9373-7BDDCA598A86}"/>
+          </ac:cxnSpMkLst>
+        </pc:cxnChg>
+        <pc:cxnChg chg="add mod">
+          <ac:chgData name="Anderson, Joshua" userId="39e39843-612f-4ac9-a60b-c8880e88db2a" providerId="ADAL" clId="{461508CF-AA82-470A-A026-06CBC89FCFC6}" dt="2020-03-27T17:36:51.536" v="244"/>
+          <ac:cxnSpMkLst>
+            <pc:docMk/>
+            <pc:sldMk cId="968820928" sldId="256"/>
+            <ac:cxnSpMk id="101" creationId="{4D98C5C9-F727-4F81-824E-5E07F7718D0E}"/>
+          </ac:cxnSpMkLst>
+        </pc:cxnChg>
+        <pc:cxnChg chg="add mod">
+          <ac:chgData name="Anderson, Joshua" userId="39e39843-612f-4ac9-a60b-c8880e88db2a" providerId="ADAL" clId="{461508CF-AA82-470A-A026-06CBC89FCFC6}" dt="2020-03-27T17:36:51.536" v="244"/>
+          <ac:cxnSpMkLst>
+            <pc:docMk/>
+            <pc:sldMk cId="968820928" sldId="256"/>
+            <ac:cxnSpMk id="103" creationId="{CEC51A65-C29A-4525-97A0-EA9CDFEFD37E}"/>
+          </ac:cxnSpMkLst>
+        </pc:cxnChg>
+        <pc:cxnChg chg="add mod">
+          <ac:chgData name="Anderson, Joshua" userId="39e39843-612f-4ac9-a60b-c8880e88db2a" providerId="ADAL" clId="{461508CF-AA82-470A-A026-06CBC89FCFC6}" dt="2020-03-27T17:36:41.265" v="243"/>
+          <ac:cxnSpMkLst>
+            <pc:docMk/>
+            <pc:sldMk cId="968820928" sldId="256"/>
+            <ac:cxnSpMk id="107" creationId="{AE6E8D34-2BB6-4F80-AED0-A1B9228CE2BC}"/>
+          </ac:cxnSpMkLst>
+        </pc:cxnChg>
+        <pc:cxnChg chg="add mod">
+          <ac:chgData name="Anderson, Joshua" userId="39e39843-612f-4ac9-a60b-c8880e88db2a" providerId="ADAL" clId="{461508CF-AA82-470A-A026-06CBC89FCFC6}" dt="2020-03-27T17:37:03.190" v="245"/>
+          <ac:cxnSpMkLst>
+            <pc:docMk/>
+            <pc:sldMk cId="968820928" sldId="256"/>
+            <ac:cxnSpMk id="109" creationId="{145BC8E5-6058-46AF-A5B8-EF3D2B3B0044}"/>
+          </ac:cxnSpMkLst>
+        </pc:cxnChg>
+        <pc:cxnChg chg="add mod">
+          <ac:chgData name="Anderson, Joshua" userId="39e39843-612f-4ac9-a60b-c8880e88db2a" providerId="ADAL" clId="{461508CF-AA82-470A-A026-06CBC89FCFC6}" dt="2020-03-27T17:43:03.737" v="283" actId="1076"/>
+          <ac:cxnSpMkLst>
+            <pc:docMk/>
+            <pc:sldMk cId="968820928" sldId="256"/>
+            <ac:cxnSpMk id="113" creationId="{B630D63B-FA1B-47F3-A08D-599C6CCBD7AE}"/>
+          </ac:cxnSpMkLst>
+        </pc:cxnChg>
+        <pc:cxnChg chg="add mod">
+          <ac:chgData name="Anderson, Joshua" userId="39e39843-612f-4ac9-a60b-c8880e88db2a" providerId="ADAL" clId="{461508CF-AA82-470A-A026-06CBC89FCFC6}" dt="2020-03-27T17:47:14.098" v="291" actId="1076"/>
+          <ac:cxnSpMkLst>
+            <pc:docMk/>
+            <pc:sldMk cId="968820928" sldId="256"/>
+            <ac:cxnSpMk id="122" creationId="{015900B1-6C28-4523-B956-04FFB073D9A3}"/>
+          </ac:cxnSpMkLst>
+        </pc:cxnChg>
+        <pc:cxnChg chg="add mod">
+          <ac:chgData name="Anderson, Joshua" userId="39e39843-612f-4ac9-a60b-c8880e88db2a" providerId="ADAL" clId="{461508CF-AA82-470A-A026-06CBC89FCFC6}" dt="2020-03-27T17:35:39.721" v="239"/>
+          <ac:cxnSpMkLst>
+            <pc:docMk/>
+            <pc:sldMk cId="968820928" sldId="256"/>
+            <ac:cxnSpMk id="124" creationId="{4DA4C04D-2507-4017-89B0-E1A57564BCA0}"/>
+          </ac:cxnSpMkLst>
+        </pc:cxnChg>
+        <pc:cxnChg chg="add mod">
+          <ac:chgData name="Anderson, Joshua" userId="39e39843-612f-4ac9-a60b-c8880e88db2a" providerId="ADAL" clId="{461508CF-AA82-470A-A026-06CBC89FCFC6}" dt="2020-03-27T17:38:20.323" v="260" actId="1076"/>
+          <ac:cxnSpMkLst>
+            <pc:docMk/>
+            <pc:sldMk cId="968820928" sldId="256"/>
+            <ac:cxnSpMk id="128" creationId="{EBE7CEFA-5F28-4C2B-ADC9-648A6FC19EA9}"/>
+          </ac:cxnSpMkLst>
+        </pc:cxnChg>
+        <pc:cxnChg chg="add mod">
+          <ac:chgData name="Anderson, Joshua" userId="39e39843-612f-4ac9-a60b-c8880e88db2a" providerId="ADAL" clId="{461508CF-AA82-470A-A026-06CBC89FCFC6}" dt="2020-03-27T17:38:20.323" v="260" actId="1076"/>
+          <ac:cxnSpMkLst>
+            <pc:docMk/>
+            <pc:sldMk cId="968820928" sldId="256"/>
+            <ac:cxnSpMk id="130" creationId="{BD0EA4E4-4786-4F6E-B489-94755E1E6CC7}"/>
+          </ac:cxnSpMkLst>
+        </pc:cxnChg>
+        <pc:cxnChg chg="add del mod">
+          <ac:chgData name="Anderson, Joshua" userId="39e39843-612f-4ac9-a60b-c8880e88db2a" providerId="ADAL" clId="{461508CF-AA82-470A-A026-06CBC89FCFC6}" dt="2020-03-27T17:37:34.152" v="248" actId="478"/>
+          <ac:cxnSpMkLst>
+            <pc:docMk/>
+            <pc:sldMk cId="968820928" sldId="256"/>
+            <ac:cxnSpMk id="132" creationId="{8387471D-7F1A-4F04-905F-268EC9C2C9CA}"/>
+          </ac:cxnSpMkLst>
+        </pc:cxnChg>
+        <pc:cxnChg chg="add del mod">
+          <ac:chgData name="Anderson, Joshua" userId="39e39843-612f-4ac9-a60b-c8880e88db2a" providerId="ADAL" clId="{461508CF-AA82-470A-A026-06CBC89FCFC6}" dt="2020-03-27T17:37:53.172" v="251" actId="478"/>
+          <ac:cxnSpMkLst>
+            <pc:docMk/>
+            <pc:sldMk cId="968820928" sldId="256"/>
+            <ac:cxnSpMk id="139" creationId="{E1AADEFF-9684-4C73-AA71-0A28794A994A}"/>
+          </ac:cxnSpMkLst>
+        </pc:cxnChg>
+        <pc:cxnChg chg="add mod">
+          <ac:chgData name="Anderson, Joshua" userId="39e39843-612f-4ac9-a60b-c8880e88db2a" providerId="ADAL" clId="{461508CF-AA82-470A-A026-06CBC89FCFC6}" dt="2020-03-27T17:38:17.040" v="259" actId="1076"/>
+          <ac:cxnSpMkLst>
+            <pc:docMk/>
+            <pc:sldMk cId="968820928" sldId="256"/>
+            <ac:cxnSpMk id="140" creationId="{C3B01C68-FC66-4036-A495-EDAEF85C1F95}"/>
+          </ac:cxnSpMkLst>
+        </pc:cxnChg>
+        <pc:cxnChg chg="add mod">
+          <ac:chgData name="Anderson, Joshua" userId="39e39843-612f-4ac9-a60b-c8880e88db2a" providerId="ADAL" clId="{461508CF-AA82-470A-A026-06CBC89FCFC6}" dt="2020-03-27T17:43:21.159" v="286"/>
+          <ac:cxnSpMkLst>
+            <pc:docMk/>
+            <pc:sldMk cId="968820928" sldId="256"/>
+            <ac:cxnSpMk id="158" creationId="{1DB5E0E3-E8F9-4070-80FA-CDDFFE690E9D}"/>
+          </ac:cxnSpMkLst>
+        </pc:cxnChg>
+        <pc:cxnChg chg="add mod">
+          <ac:chgData name="Anderson, Joshua" userId="39e39843-612f-4ac9-a60b-c8880e88db2a" providerId="ADAL" clId="{461508CF-AA82-470A-A026-06CBC89FCFC6}" dt="2020-03-27T17:43:21.159" v="286"/>
+          <ac:cxnSpMkLst>
+            <pc:docMk/>
+            <pc:sldMk cId="968820928" sldId="256"/>
+            <ac:cxnSpMk id="160" creationId="{47329201-C7AA-4593-954D-B7C369222D94}"/>
+          </ac:cxnSpMkLst>
+        </pc:cxnChg>
+        <pc:cxnChg chg="add mod">
+          <ac:chgData name="Anderson, Joshua" userId="39e39843-612f-4ac9-a60b-c8880e88db2a" providerId="ADAL" clId="{461508CF-AA82-470A-A026-06CBC89FCFC6}" dt="2020-03-27T17:47:14.098" v="291" actId="1076"/>
+          <ac:cxnSpMkLst>
+            <pc:docMk/>
+            <pc:sldMk cId="968820928" sldId="256"/>
+            <ac:cxnSpMk id="161" creationId="{71F97587-1A46-4FC3-9F2E-B05E188E020F}"/>
+          </ac:cxnSpMkLst>
+        </pc:cxnChg>
+        <pc:cxnChg chg="add mod">
+          <ac:chgData name="Anderson, Joshua" userId="39e39843-612f-4ac9-a60b-c8880e88db2a" providerId="ADAL" clId="{461508CF-AA82-470A-A026-06CBC89FCFC6}" dt="2020-03-27T17:50:34.471" v="334" actId="14100"/>
+          <ac:cxnSpMkLst>
+            <pc:docMk/>
+            <pc:sldMk cId="968820928" sldId="256"/>
+            <ac:cxnSpMk id="168" creationId="{85847B5F-05DD-4D42-9AB8-0773E65AF58C}"/>
+          </ac:cxnSpMkLst>
+        </pc:cxnChg>
+        <pc:cxnChg chg="add mod">
+          <ac:chgData name="Anderson, Joshua" userId="39e39843-612f-4ac9-a60b-c8880e88db2a" providerId="ADAL" clId="{461508CF-AA82-470A-A026-06CBC89FCFC6}" dt="2020-03-27T17:50:34.471" v="334" actId="14100"/>
+          <ac:cxnSpMkLst>
+            <pc:docMk/>
+            <pc:sldMk cId="968820928" sldId="256"/>
+            <ac:cxnSpMk id="171" creationId="{C3C82402-39F9-46F7-8E16-3783F76AA75C}"/>
+          </ac:cxnSpMkLst>
+        </pc:cxnChg>
+        <pc:cxnChg chg="add mod">
+          <ac:chgData name="Anderson, Joshua" userId="39e39843-612f-4ac9-a60b-c8880e88db2a" providerId="ADAL" clId="{461508CF-AA82-470A-A026-06CBC89FCFC6}" dt="2020-03-27T17:50:34.471" v="334" actId="14100"/>
+          <ac:cxnSpMkLst>
+            <pc:docMk/>
+            <pc:sldMk cId="968820928" sldId="256"/>
+            <ac:cxnSpMk id="178" creationId="{A03712AD-0CB9-4EE0-8685-E10723127D94}"/>
+          </ac:cxnSpMkLst>
+        </pc:cxnChg>
+      </pc:sldChg>
+    </pc:docChg>
+  </pc:docChgLst>
+  <pc:docChgLst>
     <pc:chgData name="Anderson, Joshua" userId="39e39843-612f-4ac9-a60b-c8880e88db2a" providerId="ADAL" clId="{190440D0-AB92-4ECC-9B54-31E3C5AFEF8F}"/>
     <pc:docChg chg="undo custSel modSld">
       <pc:chgData name="Anderson, Joshua" userId="39e39843-612f-4ac9-a60b-c8880e88db2a" providerId="ADAL" clId="{190440D0-AB92-4ECC-9B54-31E3C5AFEF8F}" dt="2020-06-09T14:00:51.238" v="1839" actId="478"/>
@@ -965,494 +1453,6 @@
             <pc:docMk/>
             <pc:sldMk cId="968820928" sldId="256"/>
             <ac:cxnSpMk id="230" creationId="{439650CC-15AD-49A6-9163-FC99F3B66ADD}"/>
-          </ac:cxnSpMkLst>
-        </pc:cxnChg>
-      </pc:sldChg>
-    </pc:docChg>
-  </pc:docChgLst>
-  <pc:docChgLst>
-    <pc:chgData name="Anderson, Joshua" userId="39e39843-612f-4ac9-a60b-c8880e88db2a" providerId="ADAL" clId="{461508CF-AA82-470A-A026-06CBC89FCFC6}"/>
-    <pc:docChg chg="undo custSel modSld">
-      <pc:chgData name="Anderson, Joshua" userId="39e39843-612f-4ac9-a60b-c8880e88db2a" providerId="ADAL" clId="{461508CF-AA82-470A-A026-06CBC89FCFC6}" dt="2020-03-27T18:00:58.188" v="415" actId="1076"/>
-      <pc:docMkLst>
-        <pc:docMk/>
-      </pc:docMkLst>
-      <pc:sldChg chg="addSp delSp modSp">
-        <pc:chgData name="Anderson, Joshua" userId="39e39843-612f-4ac9-a60b-c8880e88db2a" providerId="ADAL" clId="{461508CF-AA82-470A-A026-06CBC89FCFC6}" dt="2020-03-27T18:00:58.188" v="415" actId="1076"/>
-        <pc:sldMkLst>
-          <pc:docMk/>
-          <pc:sldMk cId="968820928" sldId="256"/>
-        </pc:sldMkLst>
-        <pc:spChg chg="mod">
-          <ac:chgData name="Anderson, Joshua" userId="39e39843-612f-4ac9-a60b-c8880e88db2a" providerId="ADAL" clId="{461508CF-AA82-470A-A026-06CBC89FCFC6}" dt="2020-03-27T17:50:25.733" v="331" actId="113"/>
-          <ac:spMkLst>
-            <pc:docMk/>
-            <pc:sldMk cId="968820928" sldId="256"/>
-            <ac:spMk id="4" creationId="{0348BCB2-7F5D-4EAB-90A6-BC3F7B18AEF7}"/>
-          </ac:spMkLst>
-        </pc:spChg>
-        <pc:spChg chg="mod">
-          <ac:chgData name="Anderson, Joshua" userId="39e39843-612f-4ac9-a60b-c8880e88db2a" providerId="ADAL" clId="{461508CF-AA82-470A-A026-06CBC89FCFC6}" dt="2020-03-27T17:50:25.733" v="331" actId="113"/>
-          <ac:spMkLst>
-            <pc:docMk/>
-            <pc:sldMk cId="968820928" sldId="256"/>
-            <ac:spMk id="27" creationId="{22E7C258-6200-4AA8-89A6-851C21880D9B}"/>
-          </ac:spMkLst>
-        </pc:spChg>
-        <pc:spChg chg="mod">
-          <ac:chgData name="Anderson, Joshua" userId="39e39843-612f-4ac9-a60b-c8880e88db2a" providerId="ADAL" clId="{461508CF-AA82-470A-A026-06CBC89FCFC6}" dt="2020-03-27T17:50:07.581" v="330" actId="207"/>
-          <ac:spMkLst>
-            <pc:docMk/>
-            <pc:sldMk cId="968820928" sldId="256"/>
-            <ac:spMk id="28" creationId="{11FCAF09-8DA6-4811-94A3-485B0297A28D}"/>
-          </ac:spMkLst>
-        </pc:spChg>
-        <pc:spChg chg="mod">
-          <ac:chgData name="Anderson, Joshua" userId="39e39843-612f-4ac9-a60b-c8880e88db2a" providerId="ADAL" clId="{461508CF-AA82-470A-A026-06CBC89FCFC6}" dt="2020-03-27T17:50:07.581" v="330" actId="207"/>
-          <ac:spMkLst>
-            <pc:docMk/>
-            <pc:sldMk cId="968820928" sldId="256"/>
-            <ac:spMk id="29" creationId="{C4B8965E-7E9E-4CA8-BB0A-504FD25F04DB}"/>
-          </ac:spMkLst>
-        </pc:spChg>
-        <pc:spChg chg="add del mod">
-          <ac:chgData name="Anderson, Joshua" userId="39e39843-612f-4ac9-a60b-c8880e88db2a" providerId="ADAL" clId="{461508CF-AA82-470A-A026-06CBC89FCFC6}" dt="2020-03-27T17:21:14.409" v="20" actId="478"/>
-          <ac:spMkLst>
-            <pc:docMk/>
-            <pc:sldMk cId="968820928" sldId="256"/>
-            <ac:spMk id="49" creationId="{57C8AFD9-49E6-4262-BF16-F71EAF6C54BB}"/>
-          </ac:spMkLst>
-        </pc:spChg>
-        <pc:spChg chg="add mod">
-          <ac:chgData name="Anderson, Joshua" userId="39e39843-612f-4ac9-a60b-c8880e88db2a" providerId="ADAL" clId="{461508CF-AA82-470A-A026-06CBC89FCFC6}" dt="2020-03-27T17:50:25.733" v="331" actId="113"/>
-          <ac:spMkLst>
-            <pc:docMk/>
-            <pc:sldMk cId="968820928" sldId="256"/>
-            <ac:spMk id="62" creationId="{870C6851-44D3-45E8-92DA-68AA0EF73A2C}"/>
-          </ac:spMkLst>
-        </pc:spChg>
-        <pc:spChg chg="add mod">
-          <ac:chgData name="Anderson, Joshua" userId="39e39843-612f-4ac9-a60b-c8880e88db2a" providerId="ADAL" clId="{461508CF-AA82-470A-A026-06CBC89FCFC6}" dt="2020-03-27T17:50:25.733" v="331" actId="113"/>
-          <ac:spMkLst>
-            <pc:docMk/>
-            <pc:sldMk cId="968820928" sldId="256"/>
-            <ac:spMk id="63" creationId="{95B6E688-E8D4-4D58-BDAE-6A8F1B4EB68F}"/>
-          </ac:spMkLst>
-        </pc:spChg>
-        <pc:spChg chg="add mod">
-          <ac:chgData name="Anderson, Joshua" userId="39e39843-612f-4ac9-a60b-c8880e88db2a" providerId="ADAL" clId="{461508CF-AA82-470A-A026-06CBC89FCFC6}" dt="2020-03-27T17:50:25.733" v="331" actId="113"/>
-          <ac:spMkLst>
-            <pc:docMk/>
-            <pc:sldMk cId="968820928" sldId="256"/>
-            <ac:spMk id="64" creationId="{C8E8595F-A20A-4A34-B8B8-4F2A6972E910}"/>
-          </ac:spMkLst>
-        </pc:spChg>
-        <pc:spChg chg="add del mod">
-          <ac:chgData name="Anderson, Joshua" userId="39e39843-612f-4ac9-a60b-c8880e88db2a" providerId="ADAL" clId="{461508CF-AA82-470A-A026-06CBC89FCFC6}" dt="2020-03-27T17:42:33.166" v="261" actId="478"/>
-          <ac:spMkLst>
-            <pc:docMk/>
-            <pc:sldMk cId="968820928" sldId="256"/>
-            <ac:spMk id="65" creationId="{9CD6D362-4765-401F-8207-61FA149D327C}"/>
-          </ac:spMkLst>
-        </pc:spChg>
-        <pc:spChg chg="add mod">
-          <ac:chgData name="Anderson, Joshua" userId="39e39843-612f-4ac9-a60b-c8880e88db2a" providerId="ADAL" clId="{461508CF-AA82-470A-A026-06CBC89FCFC6}" dt="2020-03-27T17:50:25.733" v="331" actId="113"/>
-          <ac:spMkLst>
-            <pc:docMk/>
-            <pc:sldMk cId="968820928" sldId="256"/>
-            <ac:spMk id="66" creationId="{940402E4-F9B9-4D6A-A13A-CED0AAD68236}"/>
-          </ac:spMkLst>
-        </pc:spChg>
-        <pc:spChg chg="add del mod">
-          <ac:chgData name="Anderson, Joshua" userId="39e39843-612f-4ac9-a60b-c8880e88db2a" providerId="ADAL" clId="{461508CF-AA82-470A-A026-06CBC89FCFC6}" dt="2020-03-27T17:26:10.582" v="128" actId="478"/>
-          <ac:spMkLst>
-            <pc:docMk/>
-            <pc:sldMk cId="968820928" sldId="256"/>
-            <ac:spMk id="67" creationId="{B8E733C5-6A95-403E-8E61-BB625848988E}"/>
-          </ac:spMkLst>
-        </pc:spChg>
-        <pc:spChg chg="add mod">
-          <ac:chgData name="Anderson, Joshua" userId="39e39843-612f-4ac9-a60b-c8880e88db2a" providerId="ADAL" clId="{461508CF-AA82-470A-A026-06CBC89FCFC6}" dt="2020-03-27T17:34:35.786" v="237" actId="207"/>
-          <ac:spMkLst>
-            <pc:docMk/>
-            <pc:sldMk cId="968820928" sldId="256"/>
-            <ac:spMk id="68" creationId="{DAB83E4C-29CD-4E34-B298-D8CD0FF768B6}"/>
-          </ac:spMkLst>
-        </pc:spChg>
-        <pc:spChg chg="add mod">
-          <ac:chgData name="Anderson, Joshua" userId="39e39843-612f-4ac9-a60b-c8880e88db2a" providerId="ADAL" clId="{461508CF-AA82-470A-A026-06CBC89FCFC6}" dt="2020-03-27T17:47:44.364" v="293" actId="207"/>
-          <ac:spMkLst>
-            <pc:docMk/>
-            <pc:sldMk cId="968820928" sldId="256"/>
-            <ac:spMk id="69" creationId="{1A5B6E8F-4CE2-4F95-949A-EB009519E1E5}"/>
-          </ac:spMkLst>
-        </pc:spChg>
-        <pc:spChg chg="add mod">
-          <ac:chgData name="Anderson, Joshua" userId="39e39843-612f-4ac9-a60b-c8880e88db2a" providerId="ADAL" clId="{461508CF-AA82-470A-A026-06CBC89FCFC6}" dt="2020-03-27T17:38:17.040" v="259" actId="1076"/>
-          <ac:spMkLst>
-            <pc:docMk/>
-            <pc:sldMk cId="968820928" sldId="256"/>
-            <ac:spMk id="91" creationId="{CF14C831-1DC5-4ED2-A051-C6051A39C4D2}"/>
-          </ac:spMkLst>
-        </pc:spChg>
-        <pc:spChg chg="add mod">
-          <ac:chgData name="Anderson, Joshua" userId="39e39843-612f-4ac9-a60b-c8880e88db2a" providerId="ADAL" clId="{461508CF-AA82-470A-A026-06CBC89FCFC6}" dt="2020-03-27T17:43:03.737" v="283" actId="1076"/>
-          <ac:spMkLst>
-            <pc:docMk/>
-            <pc:sldMk cId="968820928" sldId="256"/>
-            <ac:spMk id="151" creationId="{58BBCCD1-C56F-430C-AF7B-C676B7A28380}"/>
-          </ac:spMkLst>
-        </pc:spChg>
-        <pc:spChg chg="add mod">
-          <ac:chgData name="Anderson, Joshua" userId="39e39843-612f-4ac9-a60b-c8880e88db2a" providerId="ADAL" clId="{461508CF-AA82-470A-A026-06CBC89FCFC6}" dt="2020-03-27T17:47:44.364" v="293" actId="207"/>
-          <ac:spMkLst>
-            <pc:docMk/>
-            <pc:sldMk cId="968820928" sldId="256"/>
-            <ac:spMk id="154" creationId="{AFD243BD-4A1C-4663-B623-8789690426CE}"/>
-          </ac:spMkLst>
-        </pc:spChg>
-        <pc:spChg chg="add mod">
-          <ac:chgData name="Anderson, Joshua" userId="39e39843-612f-4ac9-a60b-c8880e88db2a" providerId="ADAL" clId="{461508CF-AA82-470A-A026-06CBC89FCFC6}" dt="2020-03-27T17:47:44.364" v="293" actId="207"/>
-          <ac:spMkLst>
-            <pc:docMk/>
-            <pc:sldMk cId="968820928" sldId="256"/>
-            <ac:spMk id="155" creationId="{08454A43-C279-4F7C-B7D0-AAF1476C29BC}"/>
-          </ac:spMkLst>
-        </pc:spChg>
-        <pc:spChg chg="add del mod">
-          <ac:chgData name="Anderson, Joshua" userId="39e39843-612f-4ac9-a60b-c8880e88db2a" providerId="ADAL" clId="{461508CF-AA82-470A-A026-06CBC89FCFC6}" dt="2020-03-27T17:47:56.979" v="296" actId="478"/>
-          <ac:spMkLst>
-            <pc:docMk/>
-            <pc:sldMk cId="968820928" sldId="256"/>
-            <ac:spMk id="166" creationId="{4504D302-3979-40A2-A0DE-CAF00085E96A}"/>
-          </ac:spMkLst>
-        </pc:spChg>
-        <pc:spChg chg="add mod">
-          <ac:chgData name="Anderson, Joshua" userId="39e39843-612f-4ac9-a60b-c8880e88db2a" providerId="ADAL" clId="{461508CF-AA82-470A-A026-06CBC89FCFC6}" dt="2020-03-27T17:50:34.471" v="334" actId="14100"/>
-          <ac:spMkLst>
-            <pc:docMk/>
-            <pc:sldMk cId="968820928" sldId="256"/>
-            <ac:spMk id="167" creationId="{04000658-F0DA-493F-9F86-A14ADB069F11}"/>
-          </ac:spMkLst>
-        </pc:spChg>
-        <pc:spChg chg="add mod">
-          <ac:chgData name="Anderson, Joshua" userId="39e39843-612f-4ac9-a60b-c8880e88db2a" providerId="ADAL" clId="{461508CF-AA82-470A-A026-06CBC89FCFC6}" dt="2020-03-27T17:52:17.092" v="379" actId="1076"/>
-          <ac:spMkLst>
-            <pc:docMk/>
-            <pc:sldMk cId="968820928" sldId="256"/>
-            <ac:spMk id="199" creationId="{645EB2B3-E36A-4E0C-AD95-34667E770107}"/>
-          </ac:spMkLst>
-        </pc:spChg>
-        <pc:spChg chg="add mod">
-          <ac:chgData name="Anderson, Joshua" userId="39e39843-612f-4ac9-a60b-c8880e88db2a" providerId="ADAL" clId="{461508CF-AA82-470A-A026-06CBC89FCFC6}" dt="2020-03-27T17:52:20.915" v="380" actId="1076"/>
-          <ac:spMkLst>
-            <pc:docMk/>
-            <pc:sldMk cId="968820928" sldId="256"/>
-            <ac:spMk id="200" creationId="{D44DE589-AEB3-4CB0-8606-C63571E07B84}"/>
-          </ac:spMkLst>
-        </pc:spChg>
-        <pc:spChg chg="add mod">
-          <ac:chgData name="Anderson, Joshua" userId="39e39843-612f-4ac9-a60b-c8880e88db2a" providerId="ADAL" clId="{461508CF-AA82-470A-A026-06CBC89FCFC6}" dt="2020-03-27T17:52:23.456" v="381" actId="1076"/>
-          <ac:spMkLst>
-            <pc:docMk/>
-            <pc:sldMk cId="968820928" sldId="256"/>
-            <ac:spMk id="201" creationId="{D19D8ACF-7A97-432B-A75E-25E340997663}"/>
-          </ac:spMkLst>
-        </pc:spChg>
-        <pc:spChg chg="add mod">
-          <ac:chgData name="Anderson, Joshua" userId="39e39843-612f-4ac9-a60b-c8880e88db2a" providerId="ADAL" clId="{461508CF-AA82-470A-A026-06CBC89FCFC6}" dt="2020-03-27T17:52:09.932" v="378" actId="1076"/>
-          <ac:spMkLst>
-            <pc:docMk/>
-            <pc:sldMk cId="968820928" sldId="256"/>
-            <ac:spMk id="202" creationId="{B56DA12B-6FF9-4D59-A2FE-2BB7420F84A1}"/>
-          </ac:spMkLst>
-        </pc:spChg>
-        <pc:spChg chg="add mod">
-          <ac:chgData name="Anderson, Joshua" userId="39e39843-612f-4ac9-a60b-c8880e88db2a" providerId="ADAL" clId="{461508CF-AA82-470A-A026-06CBC89FCFC6}" dt="2020-03-27T17:58:24.734" v="386" actId="20577"/>
-          <ac:spMkLst>
-            <pc:docMk/>
-            <pc:sldMk cId="968820928" sldId="256"/>
-            <ac:spMk id="203" creationId="{2A883DB2-076C-4CBB-A985-11F7223ABCD7}"/>
-          </ac:spMkLst>
-        </pc:spChg>
-        <pc:spChg chg="add mod">
-          <ac:chgData name="Anderson, Joshua" userId="39e39843-612f-4ac9-a60b-c8880e88db2a" providerId="ADAL" clId="{461508CF-AA82-470A-A026-06CBC89FCFC6}" dt="2020-03-27T18:00:54.207" v="413" actId="1076"/>
-          <ac:spMkLst>
-            <pc:docMk/>
-            <pc:sldMk cId="968820928" sldId="256"/>
-            <ac:spMk id="204" creationId="{1489F326-8E67-4FB2-9165-1E2F7EDD4CAE}"/>
-          </ac:spMkLst>
-        </pc:spChg>
-        <pc:spChg chg="add mod">
-          <ac:chgData name="Anderson, Joshua" userId="39e39843-612f-4ac9-a60b-c8880e88db2a" providerId="ADAL" clId="{461508CF-AA82-470A-A026-06CBC89FCFC6}" dt="2020-03-27T18:00:58.188" v="415" actId="1076"/>
-          <ac:spMkLst>
-            <pc:docMk/>
-            <pc:sldMk cId="968820928" sldId="256"/>
-            <ac:spMk id="205" creationId="{C01C35B9-DD0E-40E4-818D-33F860252041}"/>
-          </ac:spMkLst>
-        </pc:spChg>
-        <pc:cxnChg chg="add del mod">
-          <ac:chgData name="Anderson, Joshua" userId="39e39843-612f-4ac9-a60b-c8880e88db2a" providerId="ADAL" clId="{461508CF-AA82-470A-A026-06CBC89FCFC6}" dt="2020-03-27T17:20:02.753" v="9" actId="478"/>
-          <ac:cxnSpMkLst>
-            <pc:docMk/>
-            <pc:sldMk cId="968820928" sldId="256"/>
-            <ac:cxnSpMk id="31" creationId="{49C95FB2-56F0-4CDF-BFA9-5C5E5AAAF4BB}"/>
-          </ac:cxnSpMkLst>
-        </pc:cxnChg>
-        <pc:cxnChg chg="add del mod">
-          <ac:chgData name="Anderson, Joshua" userId="39e39843-612f-4ac9-a60b-c8880e88db2a" providerId="ADAL" clId="{461508CF-AA82-470A-A026-06CBC89FCFC6}" dt="2020-03-27T17:20:01.782" v="8" actId="478"/>
-          <ac:cxnSpMkLst>
-            <pc:docMk/>
-            <pc:sldMk cId="968820928" sldId="256"/>
-            <ac:cxnSpMk id="33" creationId="{4E0799A6-5DF4-4400-B385-6AB6673211F0}"/>
-          </ac:cxnSpMkLst>
-        </pc:cxnChg>
-        <pc:cxnChg chg="add del mod">
-          <ac:chgData name="Anderson, Joshua" userId="39e39843-612f-4ac9-a60b-c8880e88db2a" providerId="ADAL" clId="{461508CF-AA82-470A-A026-06CBC89FCFC6}" dt="2020-03-27T17:20:01.121" v="7" actId="478"/>
-          <ac:cxnSpMkLst>
-            <pc:docMk/>
-            <pc:sldMk cId="968820928" sldId="256"/>
-            <ac:cxnSpMk id="35" creationId="{27D16860-EB46-4C0E-A05C-3C80CAF92788}"/>
-          </ac:cxnSpMkLst>
-        </pc:cxnChg>
-        <pc:cxnChg chg="add del mod">
-          <ac:chgData name="Anderson, Joshua" userId="39e39843-612f-4ac9-a60b-c8880e88db2a" providerId="ADAL" clId="{461508CF-AA82-470A-A026-06CBC89FCFC6}" dt="2020-03-27T17:21:26.816" v="21" actId="478"/>
-          <ac:cxnSpMkLst>
-            <pc:docMk/>
-            <pc:sldMk cId="968820928" sldId="256"/>
-            <ac:cxnSpMk id="40" creationId="{2B8203A4-3B0E-4809-9D2B-A9E7588B9B3A}"/>
-          </ac:cxnSpMkLst>
-        </pc:cxnChg>
-        <pc:cxnChg chg="add del mod">
-          <ac:chgData name="Anderson, Joshua" userId="39e39843-612f-4ac9-a60b-c8880e88db2a" providerId="ADAL" clId="{461508CF-AA82-470A-A026-06CBC89FCFC6}" dt="2020-03-27T17:21:27.823" v="22" actId="478"/>
-          <ac:cxnSpMkLst>
-            <pc:docMk/>
-            <pc:sldMk cId="968820928" sldId="256"/>
-            <ac:cxnSpMk id="42" creationId="{5DC7C556-3F2E-4C35-9249-26990E74B96F}"/>
-          </ac:cxnSpMkLst>
-        </pc:cxnChg>
-        <pc:cxnChg chg="add del mod">
-          <ac:chgData name="Anderson, Joshua" userId="39e39843-612f-4ac9-a60b-c8880e88db2a" providerId="ADAL" clId="{461508CF-AA82-470A-A026-06CBC89FCFC6}" dt="2020-03-27T17:21:28.338" v="23" actId="478"/>
-          <ac:cxnSpMkLst>
-            <pc:docMk/>
-            <pc:sldMk cId="968820928" sldId="256"/>
-            <ac:cxnSpMk id="44" creationId="{ABFCD62F-8560-4EC5-BA08-5358981C88F4}"/>
-          </ac:cxnSpMkLst>
-        </pc:cxnChg>
-        <pc:cxnChg chg="add del mod">
-          <ac:chgData name="Anderson, Joshua" userId="39e39843-612f-4ac9-a60b-c8880e88db2a" providerId="ADAL" clId="{461508CF-AA82-470A-A026-06CBC89FCFC6}" dt="2020-03-27T17:30:42.982" v="201" actId="478"/>
-          <ac:cxnSpMkLst>
-            <pc:docMk/>
-            <pc:sldMk cId="968820928" sldId="256"/>
-            <ac:cxnSpMk id="51" creationId="{98E2A7CB-688F-49AA-ABB7-018090B446D4}"/>
-          </ac:cxnSpMkLst>
-        </pc:cxnChg>
-        <pc:cxnChg chg="add del mod">
-          <ac:chgData name="Anderson, Joshua" userId="39e39843-612f-4ac9-a60b-c8880e88db2a" providerId="ADAL" clId="{461508CF-AA82-470A-A026-06CBC89FCFC6}" dt="2020-03-27T17:30:43.860" v="202" actId="478"/>
-          <ac:cxnSpMkLst>
-            <pc:docMk/>
-            <pc:sldMk cId="968820928" sldId="256"/>
-            <ac:cxnSpMk id="53" creationId="{D1432A0D-F840-488D-BA62-97D28CDE3B3D}"/>
-          </ac:cxnSpMkLst>
-        </pc:cxnChg>
-        <pc:cxnChg chg="add del mod">
-          <ac:chgData name="Anderson, Joshua" userId="39e39843-612f-4ac9-a60b-c8880e88db2a" providerId="ADAL" clId="{461508CF-AA82-470A-A026-06CBC89FCFC6}" dt="2020-03-27T17:30:44.282" v="203" actId="478"/>
-          <ac:cxnSpMkLst>
-            <pc:docMk/>
-            <pc:sldMk cId="968820928" sldId="256"/>
-            <ac:cxnSpMk id="55" creationId="{CB5AAC3B-80AF-478B-A0B1-5C728148A208}"/>
-          </ac:cxnSpMkLst>
-        </pc:cxnChg>
-        <pc:cxnChg chg="add del mod">
-          <ac:chgData name="Anderson, Joshua" userId="39e39843-612f-4ac9-a60b-c8880e88db2a" providerId="ADAL" clId="{461508CF-AA82-470A-A026-06CBC89FCFC6}" dt="2020-03-27T17:32:11.539" v="212" actId="478"/>
-          <ac:cxnSpMkLst>
-            <pc:docMk/>
-            <pc:sldMk cId="968820928" sldId="256"/>
-            <ac:cxnSpMk id="71" creationId="{85EEE6CE-02DA-4E6F-8CB9-EA256DD560D0}"/>
-          </ac:cxnSpMkLst>
-        </pc:cxnChg>
-        <pc:cxnChg chg="add del mod">
-          <ac:chgData name="Anderson, Joshua" userId="39e39843-612f-4ac9-a60b-c8880e88db2a" providerId="ADAL" clId="{461508CF-AA82-470A-A026-06CBC89FCFC6}" dt="2020-03-27T17:33:10.348" v="224" actId="478"/>
-          <ac:cxnSpMkLst>
-            <pc:docMk/>
-            <pc:sldMk cId="968820928" sldId="256"/>
-            <ac:cxnSpMk id="73" creationId="{64349B83-FB39-4E4E-A535-9E5273E6CEB3}"/>
-          </ac:cxnSpMkLst>
-        </pc:cxnChg>
-        <pc:cxnChg chg="add del mod">
-          <ac:chgData name="Anderson, Joshua" userId="39e39843-612f-4ac9-a60b-c8880e88db2a" providerId="ADAL" clId="{461508CF-AA82-470A-A026-06CBC89FCFC6}" dt="2020-03-27T17:32:19.315" v="214" actId="478"/>
-          <ac:cxnSpMkLst>
-            <pc:docMk/>
-            <pc:sldMk cId="968820928" sldId="256"/>
-            <ac:cxnSpMk id="90" creationId="{D253DE63-CF27-45DB-8E08-A9D8948E0C03}"/>
-          </ac:cxnSpMkLst>
-        </pc:cxnChg>
-        <pc:cxnChg chg="add del mod">
-          <ac:chgData name="Anderson, Joshua" userId="39e39843-612f-4ac9-a60b-c8880e88db2a" providerId="ADAL" clId="{461508CF-AA82-470A-A026-06CBC89FCFC6}" dt="2020-03-27T17:33:12.195" v="225" actId="478"/>
-          <ac:cxnSpMkLst>
-            <pc:docMk/>
-            <pc:sldMk cId="968820928" sldId="256"/>
-            <ac:cxnSpMk id="93" creationId="{A250C0F6-7569-4424-85C8-62EC49325324}"/>
-          </ac:cxnSpMkLst>
-        </pc:cxnChg>
-        <pc:cxnChg chg="add del mod">
-          <ac:chgData name="Anderson, Joshua" userId="39e39843-612f-4ac9-a60b-c8880e88db2a" providerId="ADAL" clId="{461508CF-AA82-470A-A026-06CBC89FCFC6}" dt="2020-03-27T17:33:12.885" v="226" actId="478"/>
-          <ac:cxnSpMkLst>
-            <pc:docMk/>
-            <pc:sldMk cId="968820928" sldId="256"/>
-            <ac:cxnSpMk id="95" creationId="{87C2523A-61BA-4A15-A7D6-C3BCFA8FB13A}"/>
-          </ac:cxnSpMkLst>
-        </pc:cxnChg>
-        <pc:cxnChg chg="add del mod">
-          <ac:chgData name="Anderson, Joshua" userId="39e39843-612f-4ac9-a60b-c8880e88db2a" providerId="ADAL" clId="{461508CF-AA82-470A-A026-06CBC89FCFC6}" dt="2020-03-27T17:31:46.866" v="209" actId="478"/>
-          <ac:cxnSpMkLst>
-            <pc:docMk/>
-            <pc:sldMk cId="968820928" sldId="256"/>
-            <ac:cxnSpMk id="99" creationId="{25A8C559-51C8-4868-9373-7BDDCA598A86}"/>
-          </ac:cxnSpMkLst>
-        </pc:cxnChg>
-        <pc:cxnChg chg="add mod">
-          <ac:chgData name="Anderson, Joshua" userId="39e39843-612f-4ac9-a60b-c8880e88db2a" providerId="ADAL" clId="{461508CF-AA82-470A-A026-06CBC89FCFC6}" dt="2020-03-27T17:36:51.536" v="244"/>
-          <ac:cxnSpMkLst>
-            <pc:docMk/>
-            <pc:sldMk cId="968820928" sldId="256"/>
-            <ac:cxnSpMk id="101" creationId="{4D98C5C9-F727-4F81-824E-5E07F7718D0E}"/>
-          </ac:cxnSpMkLst>
-        </pc:cxnChg>
-        <pc:cxnChg chg="add mod">
-          <ac:chgData name="Anderson, Joshua" userId="39e39843-612f-4ac9-a60b-c8880e88db2a" providerId="ADAL" clId="{461508CF-AA82-470A-A026-06CBC89FCFC6}" dt="2020-03-27T17:36:51.536" v="244"/>
-          <ac:cxnSpMkLst>
-            <pc:docMk/>
-            <pc:sldMk cId="968820928" sldId="256"/>
-            <ac:cxnSpMk id="103" creationId="{CEC51A65-C29A-4525-97A0-EA9CDFEFD37E}"/>
-          </ac:cxnSpMkLst>
-        </pc:cxnChg>
-        <pc:cxnChg chg="add mod">
-          <ac:chgData name="Anderson, Joshua" userId="39e39843-612f-4ac9-a60b-c8880e88db2a" providerId="ADAL" clId="{461508CF-AA82-470A-A026-06CBC89FCFC6}" dt="2020-03-27T17:36:41.265" v="243"/>
-          <ac:cxnSpMkLst>
-            <pc:docMk/>
-            <pc:sldMk cId="968820928" sldId="256"/>
-            <ac:cxnSpMk id="107" creationId="{AE6E8D34-2BB6-4F80-AED0-A1B9228CE2BC}"/>
-          </ac:cxnSpMkLst>
-        </pc:cxnChg>
-        <pc:cxnChg chg="add mod">
-          <ac:chgData name="Anderson, Joshua" userId="39e39843-612f-4ac9-a60b-c8880e88db2a" providerId="ADAL" clId="{461508CF-AA82-470A-A026-06CBC89FCFC6}" dt="2020-03-27T17:37:03.190" v="245"/>
-          <ac:cxnSpMkLst>
-            <pc:docMk/>
-            <pc:sldMk cId="968820928" sldId="256"/>
-            <ac:cxnSpMk id="109" creationId="{145BC8E5-6058-46AF-A5B8-EF3D2B3B0044}"/>
-          </ac:cxnSpMkLst>
-        </pc:cxnChg>
-        <pc:cxnChg chg="add mod">
-          <ac:chgData name="Anderson, Joshua" userId="39e39843-612f-4ac9-a60b-c8880e88db2a" providerId="ADAL" clId="{461508CF-AA82-470A-A026-06CBC89FCFC6}" dt="2020-03-27T17:43:03.737" v="283" actId="1076"/>
-          <ac:cxnSpMkLst>
-            <pc:docMk/>
-            <pc:sldMk cId="968820928" sldId="256"/>
-            <ac:cxnSpMk id="113" creationId="{B630D63B-FA1B-47F3-A08D-599C6CCBD7AE}"/>
-          </ac:cxnSpMkLst>
-        </pc:cxnChg>
-        <pc:cxnChg chg="add mod">
-          <ac:chgData name="Anderson, Joshua" userId="39e39843-612f-4ac9-a60b-c8880e88db2a" providerId="ADAL" clId="{461508CF-AA82-470A-A026-06CBC89FCFC6}" dt="2020-03-27T17:47:14.098" v="291" actId="1076"/>
-          <ac:cxnSpMkLst>
-            <pc:docMk/>
-            <pc:sldMk cId="968820928" sldId="256"/>
-            <ac:cxnSpMk id="122" creationId="{015900B1-6C28-4523-B956-04FFB073D9A3}"/>
-          </ac:cxnSpMkLst>
-        </pc:cxnChg>
-        <pc:cxnChg chg="add mod">
-          <ac:chgData name="Anderson, Joshua" userId="39e39843-612f-4ac9-a60b-c8880e88db2a" providerId="ADAL" clId="{461508CF-AA82-470A-A026-06CBC89FCFC6}" dt="2020-03-27T17:35:39.721" v="239"/>
-          <ac:cxnSpMkLst>
-            <pc:docMk/>
-            <pc:sldMk cId="968820928" sldId="256"/>
-            <ac:cxnSpMk id="124" creationId="{4DA4C04D-2507-4017-89B0-E1A57564BCA0}"/>
-          </ac:cxnSpMkLst>
-        </pc:cxnChg>
-        <pc:cxnChg chg="add mod">
-          <ac:chgData name="Anderson, Joshua" userId="39e39843-612f-4ac9-a60b-c8880e88db2a" providerId="ADAL" clId="{461508CF-AA82-470A-A026-06CBC89FCFC6}" dt="2020-03-27T17:38:20.323" v="260" actId="1076"/>
-          <ac:cxnSpMkLst>
-            <pc:docMk/>
-            <pc:sldMk cId="968820928" sldId="256"/>
-            <ac:cxnSpMk id="128" creationId="{EBE7CEFA-5F28-4C2B-ADC9-648A6FC19EA9}"/>
-          </ac:cxnSpMkLst>
-        </pc:cxnChg>
-        <pc:cxnChg chg="add mod">
-          <ac:chgData name="Anderson, Joshua" userId="39e39843-612f-4ac9-a60b-c8880e88db2a" providerId="ADAL" clId="{461508CF-AA82-470A-A026-06CBC89FCFC6}" dt="2020-03-27T17:38:20.323" v="260" actId="1076"/>
-          <ac:cxnSpMkLst>
-            <pc:docMk/>
-            <pc:sldMk cId="968820928" sldId="256"/>
-            <ac:cxnSpMk id="130" creationId="{BD0EA4E4-4786-4F6E-B489-94755E1E6CC7}"/>
-          </ac:cxnSpMkLst>
-        </pc:cxnChg>
-        <pc:cxnChg chg="add del mod">
-          <ac:chgData name="Anderson, Joshua" userId="39e39843-612f-4ac9-a60b-c8880e88db2a" providerId="ADAL" clId="{461508CF-AA82-470A-A026-06CBC89FCFC6}" dt="2020-03-27T17:37:34.152" v="248" actId="478"/>
-          <ac:cxnSpMkLst>
-            <pc:docMk/>
-            <pc:sldMk cId="968820928" sldId="256"/>
-            <ac:cxnSpMk id="132" creationId="{8387471D-7F1A-4F04-905F-268EC9C2C9CA}"/>
-          </ac:cxnSpMkLst>
-        </pc:cxnChg>
-        <pc:cxnChg chg="add del mod">
-          <ac:chgData name="Anderson, Joshua" userId="39e39843-612f-4ac9-a60b-c8880e88db2a" providerId="ADAL" clId="{461508CF-AA82-470A-A026-06CBC89FCFC6}" dt="2020-03-27T17:37:53.172" v="251" actId="478"/>
-          <ac:cxnSpMkLst>
-            <pc:docMk/>
-            <pc:sldMk cId="968820928" sldId="256"/>
-            <ac:cxnSpMk id="139" creationId="{E1AADEFF-9684-4C73-AA71-0A28794A994A}"/>
-          </ac:cxnSpMkLst>
-        </pc:cxnChg>
-        <pc:cxnChg chg="add mod">
-          <ac:chgData name="Anderson, Joshua" userId="39e39843-612f-4ac9-a60b-c8880e88db2a" providerId="ADAL" clId="{461508CF-AA82-470A-A026-06CBC89FCFC6}" dt="2020-03-27T17:38:17.040" v="259" actId="1076"/>
-          <ac:cxnSpMkLst>
-            <pc:docMk/>
-            <pc:sldMk cId="968820928" sldId="256"/>
-            <ac:cxnSpMk id="140" creationId="{C3B01C68-FC66-4036-A495-EDAEF85C1F95}"/>
-          </ac:cxnSpMkLst>
-        </pc:cxnChg>
-        <pc:cxnChg chg="add mod">
-          <ac:chgData name="Anderson, Joshua" userId="39e39843-612f-4ac9-a60b-c8880e88db2a" providerId="ADAL" clId="{461508CF-AA82-470A-A026-06CBC89FCFC6}" dt="2020-03-27T17:43:21.159" v="286"/>
-          <ac:cxnSpMkLst>
-            <pc:docMk/>
-            <pc:sldMk cId="968820928" sldId="256"/>
-            <ac:cxnSpMk id="158" creationId="{1DB5E0E3-E8F9-4070-80FA-CDDFFE690E9D}"/>
-          </ac:cxnSpMkLst>
-        </pc:cxnChg>
-        <pc:cxnChg chg="add mod">
-          <ac:chgData name="Anderson, Joshua" userId="39e39843-612f-4ac9-a60b-c8880e88db2a" providerId="ADAL" clId="{461508CF-AA82-470A-A026-06CBC89FCFC6}" dt="2020-03-27T17:43:21.159" v="286"/>
-          <ac:cxnSpMkLst>
-            <pc:docMk/>
-            <pc:sldMk cId="968820928" sldId="256"/>
-            <ac:cxnSpMk id="160" creationId="{47329201-C7AA-4593-954D-B7C369222D94}"/>
-          </ac:cxnSpMkLst>
-        </pc:cxnChg>
-        <pc:cxnChg chg="add mod">
-          <ac:chgData name="Anderson, Joshua" userId="39e39843-612f-4ac9-a60b-c8880e88db2a" providerId="ADAL" clId="{461508CF-AA82-470A-A026-06CBC89FCFC6}" dt="2020-03-27T17:47:14.098" v="291" actId="1076"/>
-          <ac:cxnSpMkLst>
-            <pc:docMk/>
-            <pc:sldMk cId="968820928" sldId="256"/>
-            <ac:cxnSpMk id="161" creationId="{71F97587-1A46-4FC3-9F2E-B05E188E020F}"/>
-          </ac:cxnSpMkLst>
-        </pc:cxnChg>
-        <pc:cxnChg chg="add mod">
-          <ac:chgData name="Anderson, Joshua" userId="39e39843-612f-4ac9-a60b-c8880e88db2a" providerId="ADAL" clId="{461508CF-AA82-470A-A026-06CBC89FCFC6}" dt="2020-03-27T17:50:34.471" v="334" actId="14100"/>
-          <ac:cxnSpMkLst>
-            <pc:docMk/>
-            <pc:sldMk cId="968820928" sldId="256"/>
-            <ac:cxnSpMk id="168" creationId="{85847B5F-05DD-4D42-9AB8-0773E65AF58C}"/>
-          </ac:cxnSpMkLst>
-        </pc:cxnChg>
-        <pc:cxnChg chg="add mod">
-          <ac:chgData name="Anderson, Joshua" userId="39e39843-612f-4ac9-a60b-c8880e88db2a" providerId="ADAL" clId="{461508CF-AA82-470A-A026-06CBC89FCFC6}" dt="2020-03-27T17:50:34.471" v="334" actId="14100"/>
-          <ac:cxnSpMkLst>
-            <pc:docMk/>
-            <pc:sldMk cId="968820928" sldId="256"/>
-            <ac:cxnSpMk id="171" creationId="{C3C82402-39F9-46F7-8E16-3783F76AA75C}"/>
-          </ac:cxnSpMkLst>
-        </pc:cxnChg>
-        <pc:cxnChg chg="add mod">
-          <ac:chgData name="Anderson, Joshua" userId="39e39843-612f-4ac9-a60b-c8880e88db2a" providerId="ADAL" clId="{461508CF-AA82-470A-A026-06CBC89FCFC6}" dt="2020-03-27T17:50:34.471" v="334" actId="14100"/>
-          <ac:cxnSpMkLst>
-            <pc:docMk/>
-            <pc:sldMk cId="968820928" sldId="256"/>
-            <ac:cxnSpMk id="178" creationId="{A03712AD-0CB9-4EE0-8685-E10723127D94}"/>
           </ac:cxnSpMkLst>
         </pc:cxnChg>
       </pc:sldChg>
@@ -1592,7 +1592,7 @@
           <a:p>
             <a:fld id="{DFFC7CB6-3F03-4DA5-A19A-28979D94709C}" type="datetimeFigureOut">
               <a:rPr lang="en-US" smtClean="0"/>
-              <a:t>6/9/2020</a:t>
+              <a:t>6/23/2020</a:t>
             </a:fld>
             <a:endParaRPr lang="en-US"/>
           </a:p>
@@ -1762,7 +1762,7 @@
           <a:p>
             <a:fld id="{DFFC7CB6-3F03-4DA5-A19A-28979D94709C}" type="datetimeFigureOut">
               <a:rPr lang="en-US" smtClean="0"/>
-              <a:t>6/9/2020</a:t>
+              <a:t>6/23/2020</a:t>
             </a:fld>
             <a:endParaRPr lang="en-US"/>
           </a:p>
@@ -1942,7 +1942,7 @@
           <a:p>
             <a:fld id="{DFFC7CB6-3F03-4DA5-A19A-28979D94709C}" type="datetimeFigureOut">
               <a:rPr lang="en-US" smtClean="0"/>
-              <a:t>6/9/2020</a:t>
+              <a:t>6/23/2020</a:t>
             </a:fld>
             <a:endParaRPr lang="en-US"/>
           </a:p>
@@ -2112,7 +2112,7 @@
           <a:p>
             <a:fld id="{DFFC7CB6-3F03-4DA5-A19A-28979D94709C}" type="datetimeFigureOut">
               <a:rPr lang="en-US" smtClean="0"/>
-              <a:t>6/9/2020</a:t>
+              <a:t>6/23/2020</a:t>
             </a:fld>
             <a:endParaRPr lang="en-US"/>
           </a:p>
@@ -2356,7 +2356,7 @@
           <a:p>
             <a:fld id="{DFFC7CB6-3F03-4DA5-A19A-28979D94709C}" type="datetimeFigureOut">
               <a:rPr lang="en-US" smtClean="0"/>
-              <a:t>6/9/2020</a:t>
+              <a:t>6/23/2020</a:t>
             </a:fld>
             <a:endParaRPr lang="en-US"/>
           </a:p>
@@ -2588,7 +2588,7 @@
           <a:p>
             <a:fld id="{DFFC7CB6-3F03-4DA5-A19A-28979D94709C}" type="datetimeFigureOut">
               <a:rPr lang="en-US" smtClean="0"/>
-              <a:t>6/9/2020</a:t>
+              <a:t>6/23/2020</a:t>
             </a:fld>
             <a:endParaRPr lang="en-US"/>
           </a:p>
@@ -2955,7 +2955,7 @@
           <a:p>
             <a:fld id="{DFFC7CB6-3F03-4DA5-A19A-28979D94709C}" type="datetimeFigureOut">
               <a:rPr lang="en-US" smtClean="0"/>
-              <a:t>6/9/2020</a:t>
+              <a:t>6/23/2020</a:t>
             </a:fld>
             <a:endParaRPr lang="en-US"/>
           </a:p>
@@ -3073,7 +3073,7 @@
           <a:p>
             <a:fld id="{DFFC7CB6-3F03-4DA5-A19A-28979D94709C}" type="datetimeFigureOut">
               <a:rPr lang="en-US" smtClean="0"/>
-              <a:t>6/9/2020</a:t>
+              <a:t>6/23/2020</a:t>
             </a:fld>
             <a:endParaRPr lang="en-US"/>
           </a:p>
@@ -3168,7 +3168,7 @@
           <a:p>
             <a:fld id="{DFFC7CB6-3F03-4DA5-A19A-28979D94709C}" type="datetimeFigureOut">
               <a:rPr lang="en-US" smtClean="0"/>
-              <a:t>6/9/2020</a:t>
+              <a:t>6/23/2020</a:t>
             </a:fld>
             <a:endParaRPr lang="en-US"/>
           </a:p>
@@ -3445,7 +3445,7 @@
           <a:p>
             <a:fld id="{DFFC7CB6-3F03-4DA5-A19A-28979D94709C}" type="datetimeFigureOut">
               <a:rPr lang="en-US" smtClean="0"/>
-              <a:t>6/9/2020</a:t>
+              <a:t>6/23/2020</a:t>
             </a:fld>
             <a:endParaRPr lang="en-US"/>
           </a:p>
@@ -3702,7 +3702,7 @@
           <a:p>
             <a:fld id="{DFFC7CB6-3F03-4DA5-A19A-28979D94709C}" type="datetimeFigureOut">
               <a:rPr lang="en-US" smtClean="0"/>
-              <a:t>6/9/2020</a:t>
+              <a:t>6/23/2020</a:t>
             </a:fld>
             <a:endParaRPr lang="en-US"/>
           </a:p>
@@ -3915,7 +3915,7 @@
           <a:p>
             <a:fld id="{DFFC7CB6-3F03-4DA5-A19A-28979D94709C}" type="datetimeFigureOut">
               <a:rPr lang="en-US" smtClean="0"/>
-              <a:t>6/9/2020</a:t>
+              <a:t>6/23/2020</a:t>
             </a:fld>
             <a:endParaRPr lang="en-US"/>
           </a:p>
@@ -4436,10 +4436,10 @@
       </p:sp>
       <p:sp>
         <p:nvSpPr>
-          <p:cNvPr id="28" name="Rectangle: Rounded Corners 27">
+          <p:cNvPr id="63" name="Rectangle: Rounded Corners 62">
             <a:extLst>
               <a:ext uri="{FF2B5EF4-FFF2-40B4-BE49-F238E27FC236}">
-                <a16:creationId xmlns:a16="http://schemas.microsoft.com/office/drawing/2014/main" id="{11FCAF09-8DA6-4811-94A3-485B0297A28D}"/>
+                <a16:creationId xmlns:a16="http://schemas.microsoft.com/office/drawing/2014/main" id="{95B6E688-E8D4-4D58-BDAE-6A8F1B4EB68F}"/>
               </a:ext>
             </a:extLst>
           </p:cNvPr>
@@ -4448,14 +4448,14 @@
         </p:nvSpPr>
         <p:spPr>
           <a:xfrm>
-            <a:off x="10291125" y="8431004"/>
-            <a:ext cx="603178" cy="246888"/>
+            <a:off x="2916978" y="5468488"/>
+            <a:ext cx="1004970" cy="482661"/>
           </a:xfrm>
           <a:prstGeom prst="roundRect">
             <a:avLst/>
           </a:prstGeom>
           <a:solidFill>
-            <a:schemeClr val="accent3"/>
+            <a:schemeClr val="accent6"/>
           </a:solidFill>
           <a:ln>
             <a:solidFill>
@@ -4485,19 +4485,18 @@
           <a:p>
             <a:pPr algn="ctr"/>
             <a:r>
-              <a:rPr lang="en-US" sz="1000" dirty="0" err="1"/>
-              <a:t>Jupyter</a:t>
-            </a:r>
-            <a:endParaRPr lang="en-US" sz="1000" dirty="0"/>
-          </a:p>
-        </p:txBody>
-      </p:sp>
-      <p:sp>
-        <p:nvSpPr>
-          <p:cNvPr id="63" name="Rectangle: Rounded Corners 62">
+              <a:rPr lang="en-US" sz="1200" b="1" dirty="0"/>
+              <a:t>Hard particle MC</a:t>
+            </a:r>
+          </a:p>
+        </p:txBody>
+      </p:sp>
+      <p:sp>
+        <p:nvSpPr>
+          <p:cNvPr id="64" name="Rectangle: Rounded Corners 63">
             <a:extLst>
               <a:ext uri="{FF2B5EF4-FFF2-40B4-BE49-F238E27FC236}">
-                <a16:creationId xmlns:a16="http://schemas.microsoft.com/office/drawing/2014/main" id="{95B6E688-E8D4-4D58-BDAE-6A8F1B4EB68F}"/>
+                <a16:creationId xmlns:a16="http://schemas.microsoft.com/office/drawing/2014/main" id="{C8E8595F-A20A-4A34-B8B8-4F2A6972E910}"/>
               </a:ext>
             </a:extLst>
           </p:cNvPr>
@@ -4506,14 +4505,14 @@
         </p:nvSpPr>
         <p:spPr>
           <a:xfrm>
-            <a:off x="2916978" y="5468488"/>
-            <a:ext cx="1004970" cy="482661"/>
+            <a:off x="9523236" y="4848116"/>
+            <a:ext cx="1004970" cy="351541"/>
           </a:xfrm>
           <a:prstGeom prst="roundRect">
             <a:avLst/>
           </a:prstGeom>
           <a:solidFill>
-            <a:schemeClr val="accent6"/>
+            <a:schemeClr val="accent5"/>
           </a:solidFill>
           <a:ln>
             <a:solidFill>
@@ -4544,17 +4543,17 @@
             <a:pPr algn="ctr"/>
             <a:r>
               <a:rPr lang="en-US" sz="1200" b="1" dirty="0"/>
-              <a:t>Hard particle MC</a:t>
-            </a:r>
-          </a:p>
-        </p:txBody>
-      </p:sp>
-      <p:sp>
-        <p:nvSpPr>
-          <p:cNvPr id="64" name="Rectangle: Rounded Corners 63">
+              <a:t>State</a:t>
+            </a:r>
+          </a:p>
+        </p:txBody>
+      </p:sp>
+      <p:sp>
+        <p:nvSpPr>
+          <p:cNvPr id="66" name="Rectangle: Rounded Corners 65">
             <a:extLst>
               <a:ext uri="{FF2B5EF4-FFF2-40B4-BE49-F238E27FC236}">
-                <a16:creationId xmlns:a16="http://schemas.microsoft.com/office/drawing/2014/main" id="{C8E8595F-A20A-4A34-B8B8-4F2A6972E910}"/>
+                <a16:creationId xmlns:a16="http://schemas.microsoft.com/office/drawing/2014/main" id="{940402E4-F9B9-4D6A-A13A-CED0AAD68236}"/>
               </a:ext>
             </a:extLst>
           </p:cNvPr>
@@ -4563,7 +4562,7 @@
         </p:nvSpPr>
         <p:spPr>
           <a:xfrm>
-            <a:off x="9523236" y="4848116"/>
+            <a:off x="7139188" y="5534050"/>
             <a:ext cx="1004970" cy="351541"/>
           </a:xfrm>
           <a:prstGeom prst="roundRect">
@@ -4601,17 +4600,17 @@
             <a:pPr algn="ctr"/>
             <a:r>
               <a:rPr lang="en-US" sz="1200" b="1" dirty="0"/>
-              <a:t>State</a:t>
-            </a:r>
-          </a:p>
-        </p:txBody>
-      </p:sp>
-      <p:sp>
-        <p:nvSpPr>
-          <p:cNvPr id="66" name="Rectangle: Rounded Corners 65">
+              <a:t>Operations</a:t>
+            </a:r>
+          </a:p>
+        </p:txBody>
+      </p:sp>
+      <p:sp>
+        <p:nvSpPr>
+          <p:cNvPr id="68" name="Rectangle: Rounded Corners 67">
             <a:extLst>
               <a:ext uri="{FF2B5EF4-FFF2-40B4-BE49-F238E27FC236}">
-                <a16:creationId xmlns:a16="http://schemas.microsoft.com/office/drawing/2014/main" id="{940402E4-F9B9-4D6A-A13A-CED0AAD68236}"/>
+                <a16:creationId xmlns:a16="http://schemas.microsoft.com/office/drawing/2014/main" id="{DAB83E4C-29CD-4E34-B298-D8CD0FF768B6}"/>
               </a:ext>
             </a:extLst>
           </p:cNvPr>
@@ -4620,14 +4619,14 @@
         </p:nvSpPr>
         <p:spPr>
           <a:xfrm>
-            <a:off x="7139188" y="5534050"/>
-            <a:ext cx="1004970" cy="351541"/>
+            <a:off x="7819691" y="7944000"/>
+            <a:ext cx="603178" cy="246888"/>
           </a:xfrm>
           <a:prstGeom prst="roundRect">
             <a:avLst/>
           </a:prstGeom>
           <a:solidFill>
-            <a:schemeClr val="accent5"/>
+            <a:schemeClr val="accent2"/>
           </a:solidFill>
           <a:ln>
             <a:solidFill>
@@ -4657,18 +4656,18 @@
           <a:p>
             <a:pPr algn="ctr"/>
             <a:r>
-              <a:rPr lang="en-US" sz="1200" b="1" dirty="0"/>
-              <a:t>Operations</a:t>
-            </a:r>
-          </a:p>
-        </p:txBody>
-      </p:sp>
-      <p:sp>
-        <p:nvSpPr>
-          <p:cNvPr id="68" name="Rectangle: Rounded Corners 67">
+              <a:rPr lang="en-US" sz="1000" dirty="0"/>
+              <a:t>run</a:t>
+            </a:r>
+          </a:p>
+        </p:txBody>
+      </p:sp>
+      <p:sp>
+        <p:nvSpPr>
+          <p:cNvPr id="69" name="Rectangle: Rounded Corners 68">
             <a:extLst>
               <a:ext uri="{FF2B5EF4-FFF2-40B4-BE49-F238E27FC236}">
-                <a16:creationId xmlns:a16="http://schemas.microsoft.com/office/drawing/2014/main" id="{DAB83E4C-29CD-4E34-B298-D8CD0FF768B6}"/>
+                <a16:creationId xmlns:a16="http://schemas.microsoft.com/office/drawing/2014/main" id="{1A5B6E8F-4CE2-4F95-949A-EB009519E1E5}"/>
               </a:ext>
             </a:extLst>
           </p:cNvPr>
@@ -4677,14 +4676,14 @@
         </p:nvSpPr>
         <p:spPr>
           <a:xfrm>
-            <a:off x="7819691" y="7944000"/>
-            <a:ext cx="603178" cy="246888"/>
+            <a:off x="6478297" y="7456244"/>
+            <a:ext cx="776300" cy="246888"/>
           </a:xfrm>
           <a:prstGeom prst="roundRect">
             <a:avLst/>
           </a:prstGeom>
           <a:solidFill>
-            <a:schemeClr val="accent2"/>
+            <a:schemeClr val="accent6"/>
           </a:solidFill>
           <a:ln>
             <a:solidFill>
@@ -4714,18 +4713,18 @@
           <a:p>
             <a:pPr algn="ctr"/>
             <a:r>
-              <a:rPr lang="en-US" sz="1000" dirty="0"/>
-              <a:t>run</a:t>
-            </a:r>
-          </a:p>
-        </p:txBody>
-      </p:sp>
-      <p:sp>
-        <p:nvSpPr>
-          <p:cNvPr id="69" name="Rectangle: Rounded Corners 68">
+              <a:rPr lang="en-US" sz="1000" b="1" dirty="0"/>
+              <a:t>timestep</a:t>
+            </a:r>
+          </a:p>
+        </p:txBody>
+      </p:sp>
+      <p:sp>
+        <p:nvSpPr>
+          <p:cNvPr id="91" name="Rectangle: Rounded Corners 90">
             <a:extLst>
               <a:ext uri="{FF2B5EF4-FFF2-40B4-BE49-F238E27FC236}">
-                <a16:creationId xmlns:a16="http://schemas.microsoft.com/office/drawing/2014/main" id="{1A5B6E8F-4CE2-4F95-949A-EB009519E1E5}"/>
+                <a16:creationId xmlns:a16="http://schemas.microsoft.com/office/drawing/2014/main" id="{CF14C831-1DC5-4ED2-A051-C6051A39C4D2}"/>
               </a:ext>
             </a:extLst>
           </p:cNvPr>
@@ -4734,14 +4733,14 @@
         </p:nvSpPr>
         <p:spPr>
           <a:xfrm>
-            <a:off x="6478297" y="7456244"/>
+            <a:off x="6076241" y="6760491"/>
             <a:ext cx="776300" cy="246888"/>
           </a:xfrm>
           <a:prstGeom prst="roundRect">
             <a:avLst/>
           </a:prstGeom>
           <a:solidFill>
-            <a:schemeClr val="accent6"/>
+            <a:schemeClr val="accent5"/>
           </a:solidFill>
           <a:ln>
             <a:solidFill>
@@ -4771,115 +4770,12 @@
           <a:p>
             <a:pPr algn="ctr"/>
             <a:r>
-              <a:rPr lang="en-US" sz="1000" b="1" dirty="0"/>
-              <a:t>timestep</a:t>
-            </a:r>
-          </a:p>
-        </p:txBody>
-      </p:sp>
-      <p:sp>
-        <p:nvSpPr>
-          <p:cNvPr id="91" name="Rectangle: Rounded Corners 90">
-            <a:extLst>
-              <a:ext uri="{FF2B5EF4-FFF2-40B4-BE49-F238E27FC236}">
-                <a16:creationId xmlns:a16="http://schemas.microsoft.com/office/drawing/2014/main" id="{CF14C831-1DC5-4ED2-A051-C6051A39C4D2}"/>
-              </a:ext>
-            </a:extLst>
-          </p:cNvPr>
-          <p:cNvSpPr/>
-          <p:nvPr/>
-        </p:nvSpPr>
-        <p:spPr>
-          <a:xfrm>
-            <a:off x="6076241" y="6760491"/>
-            <a:ext cx="776300" cy="246888"/>
-          </a:xfrm>
-          <a:prstGeom prst="roundRect">
-            <a:avLst/>
-          </a:prstGeom>
-          <a:solidFill>
-            <a:schemeClr val="accent5"/>
-          </a:solidFill>
-          <a:ln>
-            <a:solidFill>
-              <a:schemeClr val="tx2"/>
-            </a:solidFill>
-          </a:ln>
-        </p:spPr>
-        <p:style>
-          <a:lnRef idx="2">
-            <a:schemeClr val="accent1">
-              <a:shade val="50000"/>
-            </a:schemeClr>
-          </a:lnRef>
-          <a:fillRef idx="1">
-            <a:schemeClr val="accent1"/>
-          </a:fillRef>
-          <a:effectRef idx="0">
-            <a:schemeClr val="accent1"/>
-          </a:effectRef>
-          <a:fontRef idx="minor">
-            <a:schemeClr val="lt1"/>
-          </a:fontRef>
-        </p:style>
-        <p:txBody>
-          <a:bodyPr rtlCol="0" anchor="ctr"/>
-          <a:lstStyle/>
-          <a:p>
-            <a:pPr algn="ctr"/>
-            <a:r>
               <a:rPr lang="en-US" sz="1000" dirty="0"/>
               <a:t>Trigger</a:t>
             </a:r>
           </a:p>
         </p:txBody>
       </p:sp>
-      <p:cxnSp>
-        <p:nvCxnSpPr>
-          <p:cNvPr id="103" name="Connector: Curved 102">
-            <a:extLst>
-              <a:ext uri="{FF2B5EF4-FFF2-40B4-BE49-F238E27FC236}">
-                <a16:creationId xmlns:a16="http://schemas.microsoft.com/office/drawing/2014/main" id="{CEC51A65-C29A-4525-97A0-EA9CDFEFD37E}"/>
-              </a:ext>
-            </a:extLst>
-          </p:cNvPr>
-          <p:cNvCxnSpPr>
-            <a:cxnSpLocks/>
-            <a:stCxn id="27" idx="2"/>
-            <a:endCxn id="28" idx="0"/>
-          </p:cNvCxnSpPr>
-          <p:nvPr/>
-        </p:nvCxnSpPr>
-        <p:spPr>
-          <a:xfrm rot="16200000" flipH="1">
-            <a:off x="10125572" y="7963862"/>
-            <a:ext cx="568186" cy="366097"/>
-          </a:xfrm>
-          <a:prstGeom prst="curvedConnector3">
-            <a:avLst>
-              <a:gd name="adj1" fmla="val 50000"/>
-            </a:avLst>
-          </a:prstGeom>
-          <a:ln>
-            <a:headEnd type="none" w="med" len="med"/>
-            <a:tailEnd type="triangle" w="med" len="med"/>
-          </a:ln>
-        </p:spPr>
-        <p:style>
-          <a:lnRef idx="2">
-            <a:schemeClr val="dk1"/>
-          </a:lnRef>
-          <a:fillRef idx="0">
-            <a:schemeClr val="dk1"/>
-          </a:fillRef>
-          <a:effectRef idx="1">
-            <a:schemeClr val="dk1"/>
-          </a:effectRef>
-          <a:fontRef idx="minor">
-            <a:schemeClr val="tx1"/>
-          </a:fontRef>
-        </p:style>
-      </p:cxnSp>
       <p:cxnSp>
         <p:nvCxnSpPr>
           <p:cNvPr id="107" name="Connector: Curved 106">
@@ -7734,19 +7630,27 @@
           <a:p>
             <a:r>
               <a:rPr lang="en-US" sz="1200" dirty="0"/>
-              <a:t>	run, Analyzer, GSD trajectory output with log</a:t>
+              <a:t>	run, Analyzer, GSD trajectory, equilibration</a:t>
             </a:r>
           </a:p>
           <a:p>
             <a:r>
               <a:rPr lang="en-US" sz="1200" dirty="0"/>
-              <a:t>6. Visualizing trajectories</a:t>
+              <a:t>6. Analyzing trajectories</a:t>
             </a:r>
           </a:p>
           <a:p>
             <a:r>
               <a:rPr lang="en-US" sz="1200" dirty="0"/>
-              <a:t>	OVITO, </a:t>
+              <a:t>	</a:t>
+            </a:r>
+            <a:r>
+              <a:rPr lang="en-US" sz="1200" dirty="0" err="1"/>
+              <a:t>freud</a:t>
+            </a:r>
+            <a:r>
+              <a:rPr lang="en-US" sz="1200" dirty="0"/>
+              <a:t>, </a:t>
             </a:r>
             <a:r>
               <a:rPr lang="en-US" sz="1200" dirty="0" err="1"/>
@@ -7758,10 +7662,10 @@
       </p:sp>
       <p:sp>
         <p:nvSpPr>
-          <p:cNvPr id="207" name="Rectangle: Rounded Corners 206">
+          <p:cNvPr id="209" name="Rectangle: Rounded Corners 208">
             <a:extLst>
               <a:ext uri="{FF2B5EF4-FFF2-40B4-BE49-F238E27FC236}">
-                <a16:creationId xmlns:a16="http://schemas.microsoft.com/office/drawing/2014/main" id="{24D056EA-14D0-4A2C-8417-19FE6271A9AE}"/>
+                <a16:creationId xmlns:a16="http://schemas.microsoft.com/office/drawing/2014/main" id="{1E7C7B84-0051-4FBE-B82E-AFE6B631A9BE}"/>
               </a:ext>
             </a:extLst>
           </p:cNvPr>
@@ -7770,8 +7674,8 @@
         </p:nvSpPr>
         <p:spPr>
           <a:xfrm>
-            <a:off x="9383056" y="8404640"/>
-            <a:ext cx="603178" cy="246888"/>
+            <a:off x="5995373" y="6108750"/>
+            <a:ext cx="677000" cy="246888"/>
           </a:xfrm>
           <a:prstGeom prst="roundRect">
             <a:avLst/>
@@ -7808,31 +7712,31 @@
             <a:pPr algn="ctr"/>
             <a:r>
               <a:rPr lang="en-US" sz="1000" dirty="0"/>
-              <a:t>script</a:t>
+              <a:t>Periodic</a:t>
             </a:r>
           </a:p>
         </p:txBody>
       </p:sp>
       <p:cxnSp>
         <p:nvCxnSpPr>
-          <p:cNvPr id="208" name="Connector: Curved 207">
+          <p:cNvPr id="220" name="Connector: Curved 219">
             <a:extLst>
               <a:ext uri="{FF2B5EF4-FFF2-40B4-BE49-F238E27FC236}">
-                <a16:creationId xmlns:a16="http://schemas.microsoft.com/office/drawing/2014/main" id="{272F82B4-7E54-4788-9E7E-3565DFE7EFC7}"/>
+                <a16:creationId xmlns:a16="http://schemas.microsoft.com/office/drawing/2014/main" id="{CB8D5B7D-2E57-4242-968C-5417E97F67F4}"/>
               </a:ext>
             </a:extLst>
           </p:cNvPr>
           <p:cNvCxnSpPr>
             <a:cxnSpLocks/>
-            <a:stCxn id="27" idx="2"/>
-            <a:endCxn id="207" idx="0"/>
+            <a:stCxn id="91" idx="0"/>
+            <a:endCxn id="209" idx="2"/>
           </p:cNvCxnSpPr>
           <p:nvPr/>
         </p:nvCxnSpPr>
         <p:spPr>
-          <a:xfrm rot="5400000">
-            <a:off x="9684720" y="7862743"/>
-            <a:ext cx="541822" cy="541972"/>
+          <a:xfrm rot="16200000" flipV="1">
+            <a:off x="6196706" y="6492806"/>
+            <a:ext cx="404853" cy="130518"/>
           </a:xfrm>
           <a:prstGeom prst="curvedConnector3">
             <a:avLst>
@@ -7861,10 +7765,10 @@
       </p:cxnSp>
       <p:sp>
         <p:nvSpPr>
-          <p:cNvPr id="209" name="Rectangle: Rounded Corners 208">
+          <p:cNvPr id="223" name="Rectangle: Rounded Corners 222">
             <a:extLst>
               <a:ext uri="{FF2B5EF4-FFF2-40B4-BE49-F238E27FC236}">
-                <a16:creationId xmlns:a16="http://schemas.microsoft.com/office/drawing/2014/main" id="{1E7C7B84-0051-4FBE-B82E-AFE6B631A9BE}"/>
+                <a16:creationId xmlns:a16="http://schemas.microsoft.com/office/drawing/2014/main" id="{A2627179-1F0F-44AE-9150-D8C50FAF52EC}"/>
               </a:ext>
             </a:extLst>
           </p:cNvPr>
@@ -7873,14 +7777,14 @@
         </p:nvSpPr>
         <p:spPr>
           <a:xfrm>
-            <a:off x="5995373" y="6108750"/>
-            <a:ext cx="677000" cy="246888"/>
+            <a:off x="10429232" y="2667191"/>
+            <a:ext cx="603178" cy="246888"/>
           </a:xfrm>
           <a:prstGeom prst="roundRect">
             <a:avLst/>
           </a:prstGeom>
           <a:solidFill>
-            <a:schemeClr val="accent3"/>
+            <a:schemeClr val="accent1"/>
           </a:solidFill>
           <a:ln>
             <a:solidFill>
@@ -7910,112 +7814,10 @@
           <a:p>
             <a:pPr algn="ctr"/>
             <a:r>
-              <a:rPr lang="en-US" sz="1000" dirty="0"/>
-              <a:t>Periodic</a:t>
-            </a:r>
-          </a:p>
-        </p:txBody>
-      </p:sp>
-      <p:cxnSp>
-        <p:nvCxnSpPr>
-          <p:cNvPr id="220" name="Connector: Curved 219">
-            <a:extLst>
-              <a:ext uri="{FF2B5EF4-FFF2-40B4-BE49-F238E27FC236}">
-                <a16:creationId xmlns:a16="http://schemas.microsoft.com/office/drawing/2014/main" id="{CB8D5B7D-2E57-4242-968C-5417E97F67F4}"/>
-              </a:ext>
-            </a:extLst>
-          </p:cNvPr>
-          <p:cNvCxnSpPr>
-            <a:cxnSpLocks/>
-            <a:stCxn id="91" idx="0"/>
-            <a:endCxn id="209" idx="2"/>
-          </p:cNvCxnSpPr>
-          <p:nvPr/>
-        </p:nvCxnSpPr>
-        <p:spPr>
-          <a:xfrm rot="16200000" flipV="1">
-            <a:off x="6196706" y="6492806"/>
-            <a:ext cx="404853" cy="130518"/>
-          </a:xfrm>
-          <a:prstGeom prst="curvedConnector3">
-            <a:avLst>
-              <a:gd name="adj1" fmla="val 50000"/>
-            </a:avLst>
-          </a:prstGeom>
-          <a:ln>
-            <a:headEnd type="none" w="med" len="med"/>
-            <a:tailEnd type="triangle" w="med" len="med"/>
-          </a:ln>
-        </p:spPr>
-        <p:style>
-          <a:lnRef idx="2">
-            <a:schemeClr val="dk1"/>
-          </a:lnRef>
-          <a:fillRef idx="0">
-            <a:schemeClr val="dk1"/>
-          </a:fillRef>
-          <a:effectRef idx="1">
-            <a:schemeClr val="dk1"/>
-          </a:effectRef>
-          <a:fontRef idx="minor">
-            <a:schemeClr val="tx1"/>
-          </a:fontRef>
-        </p:style>
-      </p:cxnSp>
-      <p:sp>
-        <p:nvSpPr>
-          <p:cNvPr id="223" name="Rectangle: Rounded Corners 222">
-            <a:extLst>
-              <a:ext uri="{FF2B5EF4-FFF2-40B4-BE49-F238E27FC236}">
-                <a16:creationId xmlns:a16="http://schemas.microsoft.com/office/drawing/2014/main" id="{A2627179-1F0F-44AE-9150-D8C50FAF52EC}"/>
-              </a:ext>
-            </a:extLst>
-          </p:cNvPr>
-          <p:cNvSpPr/>
-          <p:nvPr/>
-        </p:nvSpPr>
-        <p:spPr>
-          <a:xfrm>
-            <a:off x="10429232" y="2667191"/>
-            <a:ext cx="603178" cy="246888"/>
-          </a:xfrm>
-          <a:prstGeom prst="roundRect">
-            <a:avLst/>
-          </a:prstGeom>
-          <a:solidFill>
-            <a:schemeClr val="accent1"/>
-          </a:solidFill>
-          <a:ln>
-            <a:solidFill>
-              <a:schemeClr val="tx2"/>
-            </a:solidFill>
-          </a:ln>
-        </p:spPr>
-        <p:style>
-          <a:lnRef idx="2">
-            <a:schemeClr val="accent1">
-              <a:shade val="50000"/>
-            </a:schemeClr>
-          </a:lnRef>
-          <a:fillRef idx="1">
-            <a:schemeClr val="accent1"/>
-          </a:fillRef>
-          <a:effectRef idx="0">
-            <a:schemeClr val="accent1"/>
-          </a:effectRef>
-          <a:fontRef idx="minor">
-            <a:schemeClr val="lt1"/>
-          </a:fontRef>
-        </p:style>
-        <p:txBody>
-          <a:bodyPr rtlCol="0" anchor="ctr"/>
-          <a:lstStyle/>
-          <a:p>
-            <a:pPr algn="ctr"/>
-            <a:r>
-              <a:rPr lang="en-US" sz="1000" b="1" dirty="0"/>
-              <a:t>OVITO</a:t>
-            </a:r>
+              <a:rPr lang="en-US" sz="1000" b="1" dirty="0" err="1"/>
+              <a:t>freud</a:t>
+            </a:r>
+            <a:endParaRPr lang="en-US" sz="1000" b="1" dirty="0"/>
           </a:p>
         </p:txBody>
       </p:sp>
@@ -8582,83 +8384,26 @@
           </a:fontRef>
         </p:style>
       </p:cxnSp>
-      <p:sp>
-        <p:nvSpPr>
-          <p:cNvPr id="90" name="Rectangle: Rounded Corners 89">
+      <p:cxnSp>
+        <p:nvCxnSpPr>
+          <p:cNvPr id="88" name="Connector: Curved 87">
             <a:extLst>
               <a:ext uri="{FF2B5EF4-FFF2-40B4-BE49-F238E27FC236}">
-                <a16:creationId xmlns:a16="http://schemas.microsoft.com/office/drawing/2014/main" id="{F537FD3A-6FDF-4696-8F73-950349EB6318}"/>
-              </a:ext>
-            </a:extLst>
-          </p:cNvPr>
-          <p:cNvSpPr/>
-          <p:nvPr/>
-        </p:nvSpPr>
-        <p:spPr>
-          <a:xfrm>
-            <a:off x="8522269" y="3094089"/>
-            <a:ext cx="776300" cy="249474"/>
-          </a:xfrm>
-          <a:prstGeom prst="roundRect">
-            <a:avLst/>
-          </a:prstGeom>
-          <a:solidFill>
-            <a:schemeClr val="accent3"/>
-          </a:solidFill>
-          <a:ln>
-            <a:solidFill>
-              <a:schemeClr val="tx2"/>
-            </a:solidFill>
-          </a:ln>
-        </p:spPr>
-        <p:style>
-          <a:lnRef idx="2">
-            <a:schemeClr val="accent1">
-              <a:shade val="50000"/>
-            </a:schemeClr>
-          </a:lnRef>
-          <a:fillRef idx="1">
-            <a:schemeClr val="accent1"/>
-          </a:fillRef>
-          <a:effectRef idx="0">
-            <a:schemeClr val="accent1"/>
-          </a:effectRef>
-          <a:fontRef idx="minor">
-            <a:schemeClr val="lt1"/>
-          </a:fontRef>
-        </p:style>
-        <p:txBody>
-          <a:bodyPr rtlCol="0" anchor="ctr"/>
-          <a:lstStyle/>
-          <a:p>
-            <a:pPr algn="ctr"/>
-            <a:r>
-              <a:rPr lang="en-US" sz="1000" dirty="0"/>
-              <a:t>Logger</a:t>
-            </a:r>
-          </a:p>
-        </p:txBody>
-      </p:sp>
-      <p:cxnSp>
-        <p:nvCxnSpPr>
-          <p:cNvPr id="92" name="Connector: Curved 91">
-            <a:extLst>
-              <a:ext uri="{FF2B5EF4-FFF2-40B4-BE49-F238E27FC236}">
-                <a16:creationId xmlns:a16="http://schemas.microsoft.com/office/drawing/2014/main" id="{B25695E3-E91A-403A-92DF-592FDF8FD6ED}"/>
+                <a16:creationId xmlns:a16="http://schemas.microsoft.com/office/drawing/2014/main" id="{25EF9764-DBDA-423B-A485-91474A5D06B1}"/>
               </a:ext>
             </a:extLst>
           </p:cNvPr>
           <p:cNvCxnSpPr>
             <a:cxnSpLocks/>
-            <a:stCxn id="90" idx="3"/>
-            <a:endCxn id="203" idx="0"/>
+            <a:stCxn id="83" idx="0"/>
+            <a:endCxn id="192" idx="1"/>
           </p:cNvCxnSpPr>
           <p:nvPr/>
         </p:nvCxnSpPr>
         <p:spPr>
-          <a:xfrm>
-            <a:off x="9298569" y="3218826"/>
-            <a:ext cx="905995" cy="437081"/>
+          <a:xfrm rot="5400000" flipH="1" flipV="1">
+            <a:off x="1818834" y="3670392"/>
+            <a:ext cx="853696" cy="197452"/>
           </a:xfrm>
           <a:prstGeom prst="curvedConnector2">
             <a:avLst/>
